--- a/Roebel/Presentation.pptx
+++ b/Roebel/Presentation.pptx
@@ -10,15 +10,20 @@
     <p:sldId id="262" r:id="rId4"/>
     <p:sldId id="264" r:id="rId5"/>
     <p:sldId id="256" r:id="rId6"/>
-    <p:sldId id="257" r:id="rId7"/>
-    <p:sldId id="265" r:id="rId8"/>
-    <p:sldId id="263" r:id="rId9"/>
-    <p:sldId id="266" r:id="rId10"/>
-    <p:sldId id="267" r:id="rId11"/>
-    <p:sldId id="269" r:id="rId12"/>
+    <p:sldId id="272" r:id="rId7"/>
+    <p:sldId id="271" r:id="rId8"/>
+    <p:sldId id="257" r:id="rId9"/>
+    <p:sldId id="265" r:id="rId10"/>
+    <p:sldId id="263" r:id="rId11"/>
+    <p:sldId id="266" r:id="rId12"/>
+    <p:sldId id="267" r:id="rId13"/>
+    <p:sldId id="269" r:id="rId14"/>
+    <p:sldId id="273" r:id="rId15"/>
+    <p:sldId id="274" r:id="rId16"/>
+    <p:sldId id="275" r:id="rId17"/>
   </p:sldIdLst>
   <p:sldSz cx="12192000" cy="6858000"/>
-  <p:notesSz cx="6858000" cy="9144000"/>
+  <p:notesSz cx="7315200" cy="9601200"/>
   <p:defaultTextStyle>
     <a:defPPr>
       <a:defRPr lang="en-US"/>
@@ -114,6 +119,11 @@
       </a:defRPr>
     </a:lvl9pPr>
   </p:defaultTextStyle>
+  <p:extLst>
+    <p:ext uri="{EFAFB233-063F-42B5-8137-9DF3F51BA10A}">
+      <p15:sldGuideLst xmlns:p15="http://schemas.microsoft.com/office/powerpoint/2012/main"/>
+    </p:ext>
+  </p:extLst>
 </p:presentation>
 </file>
 
@@ -264,7 +274,7 @@
           <a:p>
             <a:fld id="{7A453DDB-2747-40FB-A374-A8AFD3CEB8D5}" type="datetimeFigureOut">
               <a:rPr lang="en-US" smtClean="0"/>
-              <a:t>12/19/2022</a:t>
+              <a:t>12/20/2022</a:t>
             </a:fld>
             <a:endParaRPr lang="en-US"/>
           </a:p>
@@ -462,7 +472,7 @@
           <a:p>
             <a:fld id="{7A453DDB-2747-40FB-A374-A8AFD3CEB8D5}" type="datetimeFigureOut">
               <a:rPr lang="en-US" smtClean="0"/>
-              <a:t>12/19/2022</a:t>
+              <a:t>12/20/2022</a:t>
             </a:fld>
             <a:endParaRPr lang="en-US"/>
           </a:p>
@@ -670,7 +680,7 @@
           <a:p>
             <a:fld id="{7A453DDB-2747-40FB-A374-A8AFD3CEB8D5}" type="datetimeFigureOut">
               <a:rPr lang="en-US" smtClean="0"/>
-              <a:t>12/19/2022</a:t>
+              <a:t>12/20/2022</a:t>
             </a:fld>
             <a:endParaRPr lang="en-US"/>
           </a:p>
@@ -868,7 +878,7 @@
           <a:p>
             <a:fld id="{7A453DDB-2747-40FB-A374-A8AFD3CEB8D5}" type="datetimeFigureOut">
               <a:rPr lang="en-US" smtClean="0"/>
-              <a:t>12/19/2022</a:t>
+              <a:t>12/20/2022</a:t>
             </a:fld>
             <a:endParaRPr lang="en-US"/>
           </a:p>
@@ -1143,7 +1153,7 @@
           <a:p>
             <a:fld id="{7A453DDB-2747-40FB-A374-A8AFD3CEB8D5}" type="datetimeFigureOut">
               <a:rPr lang="en-US" smtClean="0"/>
-              <a:t>12/19/2022</a:t>
+              <a:t>12/20/2022</a:t>
             </a:fld>
             <a:endParaRPr lang="en-US"/>
           </a:p>
@@ -1408,7 +1418,7 @@
           <a:p>
             <a:fld id="{7A453DDB-2747-40FB-A374-A8AFD3CEB8D5}" type="datetimeFigureOut">
               <a:rPr lang="en-US" smtClean="0"/>
-              <a:t>12/19/2022</a:t>
+              <a:t>12/20/2022</a:t>
             </a:fld>
             <a:endParaRPr lang="en-US"/>
           </a:p>
@@ -1820,7 +1830,7 @@
           <a:p>
             <a:fld id="{7A453DDB-2747-40FB-A374-A8AFD3CEB8D5}" type="datetimeFigureOut">
               <a:rPr lang="en-US" smtClean="0"/>
-              <a:t>12/19/2022</a:t>
+              <a:t>12/20/2022</a:t>
             </a:fld>
             <a:endParaRPr lang="en-US"/>
           </a:p>
@@ -1961,7 +1971,7 @@
           <a:p>
             <a:fld id="{7A453DDB-2747-40FB-A374-A8AFD3CEB8D5}" type="datetimeFigureOut">
               <a:rPr lang="en-US" smtClean="0"/>
-              <a:t>12/19/2022</a:t>
+              <a:t>12/20/2022</a:t>
             </a:fld>
             <a:endParaRPr lang="en-US"/>
           </a:p>
@@ -2074,7 +2084,7 @@
           <a:p>
             <a:fld id="{7A453DDB-2747-40FB-A374-A8AFD3CEB8D5}" type="datetimeFigureOut">
               <a:rPr lang="en-US" smtClean="0"/>
-              <a:t>12/19/2022</a:t>
+              <a:t>12/20/2022</a:t>
             </a:fld>
             <a:endParaRPr lang="en-US"/>
           </a:p>
@@ -2385,7 +2395,7 @@
           <a:p>
             <a:fld id="{7A453DDB-2747-40FB-A374-A8AFD3CEB8D5}" type="datetimeFigureOut">
               <a:rPr lang="en-US" smtClean="0"/>
-              <a:t>12/19/2022</a:t>
+              <a:t>12/20/2022</a:t>
             </a:fld>
             <a:endParaRPr lang="en-US"/>
           </a:p>
@@ -2673,7 +2683,7 @@
           <a:p>
             <a:fld id="{7A453DDB-2747-40FB-A374-A8AFD3CEB8D5}" type="datetimeFigureOut">
               <a:rPr lang="en-US" smtClean="0"/>
-              <a:t>12/19/2022</a:t>
+              <a:t>12/20/2022</a:t>
             </a:fld>
             <a:endParaRPr lang="en-US"/>
           </a:p>
@@ -2914,7 +2924,7 @@
           <a:p>
             <a:fld id="{7A453DDB-2747-40FB-A374-A8AFD3CEB8D5}" type="datetimeFigureOut">
               <a:rPr lang="en-US" smtClean="0"/>
-              <a:t>12/19/2022</a:t>
+              <a:t>12/20/2022</a:t>
             </a:fld>
             <a:endParaRPr lang="en-US"/>
           </a:p>
@@ -3959,8 +3969,787 @@
           <a:chExt cx="0" cy="0"/>
         </a:xfrm>
       </p:grpSpPr>
-      <mc:AlternateContent xmlns:mc="http://schemas.openxmlformats.org/markup-compatibility/2006">
-        <mc:Choice xmlns:a14="http://schemas.microsoft.com/office/drawing/2010/main" Requires="a14">
+      <p:sp>
+        <p:nvSpPr>
+          <p:cNvPr id="8" name="TextBox 7">
+            <a:extLst>
+              <a:ext uri="{FF2B5EF4-FFF2-40B4-BE49-F238E27FC236}">
+                <a16:creationId xmlns:a16="http://schemas.microsoft.com/office/drawing/2014/main" id="{84350E58-F49F-4971-AE38-991093B48A84}"/>
+              </a:ext>
+            </a:extLst>
+          </p:cNvPr>
+          <p:cNvSpPr txBox="1"/>
+          <p:nvPr/>
+        </p:nvSpPr>
+        <p:spPr>
+          <a:xfrm>
+            <a:off x="2714625" y="5285243"/>
+            <a:ext cx="1543050" cy="369332"/>
+          </a:xfrm>
+          <a:prstGeom prst="rect">
+            <a:avLst/>
+          </a:prstGeom>
+          <a:noFill/>
+        </p:spPr>
+        <p:txBody>
+          <a:bodyPr wrap="square" rtlCol="0">
+            <a:spAutoFit/>
+          </a:bodyPr>
+          <a:lstStyle/>
+          <a:p>
+            <a:r>
+              <a:rPr lang="en-US" dirty="0">
+                <a:latin typeface="Times New Roman" panose="02020603050405020304" pitchFamily="18" charset="0"/>
+                <a:cs typeface="Times New Roman" panose="02020603050405020304" pitchFamily="18" charset="0"/>
+              </a:rPr>
+              <a:t>Top</a:t>
+            </a:r>
+          </a:p>
+        </p:txBody>
+      </p:sp>
+      <p:sp>
+        <p:nvSpPr>
+          <p:cNvPr id="9" name="TextBox 8">
+            <a:extLst>
+              <a:ext uri="{FF2B5EF4-FFF2-40B4-BE49-F238E27FC236}">
+                <a16:creationId xmlns:a16="http://schemas.microsoft.com/office/drawing/2014/main" id="{4463DDA2-707A-4754-9375-91F5AD36B52D}"/>
+              </a:ext>
+            </a:extLst>
+          </p:cNvPr>
+          <p:cNvSpPr txBox="1"/>
+          <p:nvPr/>
+        </p:nvSpPr>
+        <p:spPr>
+          <a:xfrm>
+            <a:off x="9050293" y="5300810"/>
+            <a:ext cx="1543050" cy="369332"/>
+          </a:xfrm>
+          <a:prstGeom prst="rect">
+            <a:avLst/>
+          </a:prstGeom>
+          <a:noFill/>
+        </p:spPr>
+        <p:txBody>
+          <a:bodyPr wrap="square" rtlCol="0">
+            <a:spAutoFit/>
+          </a:bodyPr>
+          <a:lstStyle/>
+          <a:p>
+            <a:r>
+              <a:rPr lang="en-US" dirty="0">
+                <a:latin typeface="Times New Roman" panose="02020603050405020304" pitchFamily="18" charset="0"/>
+                <a:cs typeface="Times New Roman" panose="02020603050405020304" pitchFamily="18" charset="0"/>
+              </a:rPr>
+              <a:t>Bottom</a:t>
+            </a:r>
+          </a:p>
+        </p:txBody>
+      </p:sp>
+      <p:sp>
+        <p:nvSpPr>
+          <p:cNvPr id="10" name="TextBox 9">
+            <a:extLst>
+              <a:ext uri="{FF2B5EF4-FFF2-40B4-BE49-F238E27FC236}">
+                <a16:creationId xmlns:a16="http://schemas.microsoft.com/office/drawing/2014/main" id="{8AFA4607-0A2B-4AA0-B3E2-8D6AECB62AD8}"/>
+              </a:ext>
+            </a:extLst>
+          </p:cNvPr>
+          <p:cNvSpPr txBox="1"/>
+          <p:nvPr/>
+        </p:nvSpPr>
+        <p:spPr>
+          <a:xfrm>
+            <a:off x="5386388" y="140524"/>
+            <a:ext cx="4543425" cy="369332"/>
+          </a:xfrm>
+          <a:prstGeom prst="rect">
+            <a:avLst/>
+          </a:prstGeom>
+          <a:noFill/>
+        </p:spPr>
+        <p:txBody>
+          <a:bodyPr wrap="square" rtlCol="0">
+            <a:spAutoFit/>
+          </a:bodyPr>
+          <a:lstStyle/>
+          <a:p>
+            <a:r>
+              <a:rPr lang="en-US" dirty="0">
+                <a:latin typeface="Times New Roman" panose="02020603050405020304" pitchFamily="18" charset="0"/>
+                <a:cs typeface="Times New Roman" panose="02020603050405020304" pitchFamily="18" charset="0"/>
+              </a:rPr>
+              <a:t>Inductance Matrices</a:t>
+            </a:r>
+          </a:p>
+        </p:txBody>
+      </p:sp>
+      <p:sp>
+        <p:nvSpPr>
+          <p:cNvPr id="12" name="TextBox 11">
+            <a:extLst>
+              <a:ext uri="{FF2B5EF4-FFF2-40B4-BE49-F238E27FC236}">
+                <a16:creationId xmlns:a16="http://schemas.microsoft.com/office/drawing/2014/main" id="{7B300250-F524-46CB-92B2-854F5424BB28}"/>
+              </a:ext>
+            </a:extLst>
+          </p:cNvPr>
+          <p:cNvSpPr txBox="1"/>
+          <p:nvPr/>
+        </p:nvSpPr>
+        <p:spPr>
+          <a:xfrm rot="16200000">
+            <a:off x="-499175" y="2752725"/>
+            <a:ext cx="1367682" cy="369332"/>
+          </a:xfrm>
+          <a:prstGeom prst="rect">
+            <a:avLst/>
+          </a:prstGeom>
+          <a:noFill/>
+        </p:spPr>
+        <p:txBody>
+          <a:bodyPr wrap="none" rtlCol="0">
+            <a:spAutoFit/>
+          </a:bodyPr>
+          <a:lstStyle/>
+          <a:p>
+            <a:r>
+              <a:rPr lang="en-US" dirty="0">
+                <a:latin typeface="Times New Roman" panose="02020603050405020304" pitchFamily="18" charset="0"/>
+                <a:cs typeface="Times New Roman" panose="02020603050405020304" pitchFamily="18" charset="0"/>
+              </a:rPr>
+              <a:t>Slot Number</a:t>
+            </a:r>
+          </a:p>
+        </p:txBody>
+      </p:sp>
+      <p:cxnSp>
+        <p:nvCxnSpPr>
+          <p:cNvPr id="14" name="Straight Arrow Connector 13">
+            <a:extLst>
+              <a:ext uri="{FF2B5EF4-FFF2-40B4-BE49-F238E27FC236}">
+                <a16:creationId xmlns:a16="http://schemas.microsoft.com/office/drawing/2014/main" id="{94B4F4CA-87D6-420B-91D8-0B9A913351B7}"/>
+              </a:ext>
+            </a:extLst>
+          </p:cNvPr>
+          <p:cNvCxnSpPr>
+            <a:cxnSpLocks/>
+          </p:cNvCxnSpPr>
+          <p:nvPr/>
+        </p:nvCxnSpPr>
+        <p:spPr>
+          <a:xfrm flipH="1" flipV="1">
+            <a:off x="4325703" y="489701"/>
+            <a:ext cx="1314450" cy="463449"/>
+          </a:xfrm>
+          <a:prstGeom prst="straightConnector1">
+            <a:avLst/>
+          </a:prstGeom>
+          <a:ln>
+            <a:solidFill>
+              <a:schemeClr val="tx1"/>
+            </a:solidFill>
+            <a:tailEnd type="triangle"/>
+          </a:ln>
+        </p:spPr>
+        <p:style>
+          <a:lnRef idx="1">
+            <a:schemeClr val="accent1"/>
+          </a:lnRef>
+          <a:fillRef idx="0">
+            <a:schemeClr val="accent1"/>
+          </a:fillRef>
+          <a:effectRef idx="0">
+            <a:schemeClr val="accent1"/>
+          </a:effectRef>
+          <a:fontRef idx="minor">
+            <a:schemeClr val="tx1"/>
+          </a:fontRef>
+        </p:style>
+      </p:cxnSp>
+      <p:sp>
+        <p:nvSpPr>
+          <p:cNvPr id="15" name="TextBox 14">
+            <a:extLst>
+              <a:ext uri="{FF2B5EF4-FFF2-40B4-BE49-F238E27FC236}">
+                <a16:creationId xmlns:a16="http://schemas.microsoft.com/office/drawing/2014/main" id="{DCF9EE5B-0C7A-46B7-A0B5-C94BEC1C96C7}"/>
+              </a:ext>
+            </a:extLst>
+          </p:cNvPr>
+          <p:cNvSpPr txBox="1"/>
+          <p:nvPr/>
+        </p:nvSpPr>
+        <p:spPr>
+          <a:xfrm>
+            <a:off x="3000320" y="295481"/>
+            <a:ext cx="1695450" cy="369332"/>
+          </a:xfrm>
+          <a:prstGeom prst="rect">
+            <a:avLst/>
+          </a:prstGeom>
+          <a:noFill/>
+        </p:spPr>
+        <p:txBody>
+          <a:bodyPr wrap="square" rtlCol="0">
+            <a:spAutoFit/>
+          </a:bodyPr>
+          <a:lstStyle/>
+          <a:p>
+            <a:r>
+              <a:rPr lang="en-US" dirty="0">
+                <a:latin typeface="Times New Roman" panose="02020603050405020304" pitchFamily="18" charset="0"/>
+                <a:cs typeface="Times New Roman" panose="02020603050405020304" pitchFamily="18" charset="0"/>
+              </a:rPr>
+              <a:t>Max 0.7 </a:t>
+            </a:r>
+            <a:r>
+              <a:rPr lang="en-US" dirty="0" err="1">
+                <a:latin typeface="Times New Roman" panose="02020603050405020304" pitchFamily="18" charset="0"/>
+                <a:cs typeface="Times New Roman" panose="02020603050405020304" pitchFamily="18" charset="0"/>
+              </a:rPr>
+              <a:t>mH</a:t>
+            </a:r>
+            <a:endParaRPr lang="en-US" dirty="0">
+              <a:latin typeface="Times New Roman" panose="02020603050405020304" pitchFamily="18" charset="0"/>
+              <a:cs typeface="Times New Roman" panose="02020603050405020304" pitchFamily="18" charset="0"/>
+            </a:endParaRPr>
+          </a:p>
+        </p:txBody>
+      </p:sp>
+      <p:sp>
+        <p:nvSpPr>
+          <p:cNvPr id="16" name="TextBox 15">
+            <a:extLst>
+              <a:ext uri="{FF2B5EF4-FFF2-40B4-BE49-F238E27FC236}">
+                <a16:creationId xmlns:a16="http://schemas.microsoft.com/office/drawing/2014/main" id="{6632A2DD-DC1C-4B9C-8A04-7CD78B2B0AD1}"/>
+              </a:ext>
+            </a:extLst>
+          </p:cNvPr>
+          <p:cNvSpPr txBox="1"/>
+          <p:nvPr/>
+        </p:nvSpPr>
+        <p:spPr>
+          <a:xfrm>
+            <a:off x="8749409" y="295481"/>
+            <a:ext cx="1695450" cy="369332"/>
+          </a:xfrm>
+          <a:prstGeom prst="rect">
+            <a:avLst/>
+          </a:prstGeom>
+          <a:noFill/>
+        </p:spPr>
+        <p:txBody>
+          <a:bodyPr wrap="square" rtlCol="0">
+            <a:spAutoFit/>
+          </a:bodyPr>
+          <a:lstStyle/>
+          <a:p>
+            <a:r>
+              <a:rPr lang="en-US" dirty="0">
+                <a:latin typeface="Times New Roman" panose="02020603050405020304" pitchFamily="18" charset="0"/>
+                <a:cs typeface="Times New Roman" panose="02020603050405020304" pitchFamily="18" charset="0"/>
+              </a:rPr>
+              <a:t>Max 1.9 </a:t>
+            </a:r>
+            <a:r>
+              <a:rPr lang="en-US" dirty="0" err="1">
+                <a:latin typeface="Times New Roman" panose="02020603050405020304" pitchFamily="18" charset="0"/>
+                <a:cs typeface="Times New Roman" panose="02020603050405020304" pitchFamily="18" charset="0"/>
+              </a:rPr>
+              <a:t>mH</a:t>
+            </a:r>
+            <a:endParaRPr lang="en-US" dirty="0">
+              <a:latin typeface="Times New Roman" panose="02020603050405020304" pitchFamily="18" charset="0"/>
+              <a:cs typeface="Times New Roman" panose="02020603050405020304" pitchFamily="18" charset="0"/>
+            </a:endParaRPr>
+          </a:p>
+        </p:txBody>
+      </p:sp>
+      <p:cxnSp>
+        <p:nvCxnSpPr>
+          <p:cNvPr id="20" name="Straight Arrow Connector 19">
+            <a:extLst>
+              <a:ext uri="{FF2B5EF4-FFF2-40B4-BE49-F238E27FC236}">
+                <a16:creationId xmlns:a16="http://schemas.microsoft.com/office/drawing/2014/main" id="{E00871F3-B938-492B-AF76-922A9E79B9BE}"/>
+              </a:ext>
+            </a:extLst>
+          </p:cNvPr>
+          <p:cNvCxnSpPr>
+            <a:cxnSpLocks/>
+          </p:cNvCxnSpPr>
+          <p:nvPr/>
+        </p:nvCxnSpPr>
+        <p:spPr>
+          <a:xfrm flipH="1" flipV="1">
+            <a:off x="10076925" y="480147"/>
+            <a:ext cx="1314450" cy="463449"/>
+          </a:xfrm>
+          <a:prstGeom prst="straightConnector1">
+            <a:avLst/>
+          </a:prstGeom>
+          <a:ln>
+            <a:solidFill>
+              <a:schemeClr val="tx1"/>
+            </a:solidFill>
+            <a:tailEnd type="triangle"/>
+          </a:ln>
+        </p:spPr>
+        <p:style>
+          <a:lnRef idx="1">
+            <a:schemeClr val="accent1"/>
+          </a:lnRef>
+          <a:fillRef idx="0">
+            <a:schemeClr val="accent1"/>
+          </a:fillRef>
+          <a:effectRef idx="0">
+            <a:schemeClr val="accent1"/>
+          </a:effectRef>
+          <a:fontRef idx="minor">
+            <a:schemeClr val="tx1"/>
+          </a:fontRef>
+        </p:style>
+      </p:cxnSp>
+      <p:pic>
+        <p:nvPicPr>
+          <p:cNvPr id="2" name="Picture 1">
+            <a:extLst>
+              <a:ext uri="{FF2B5EF4-FFF2-40B4-BE49-F238E27FC236}">
+                <a16:creationId xmlns:a16="http://schemas.microsoft.com/office/drawing/2014/main" id="{32831C2C-4AE3-4E99-919E-6A92E5E80CBE}"/>
+              </a:ext>
+            </a:extLst>
+          </p:cNvPr>
+          <p:cNvPicPr>
+            <a:picLocks noChangeAspect="1"/>
+          </p:cNvPicPr>
+          <p:nvPr/>
+        </p:nvPicPr>
+        <p:blipFill>
+          <a:blip r:embed="rId2"/>
+          <a:stretch>
+            <a:fillRect/>
+          </a:stretch>
+        </p:blipFill>
+        <p:spPr>
+          <a:xfrm>
+            <a:off x="-311581" y="606929"/>
+            <a:ext cx="7093423" cy="5203160"/>
+          </a:xfrm>
+          <a:prstGeom prst="rect">
+            <a:avLst/>
+          </a:prstGeom>
+        </p:spPr>
+      </p:pic>
+      <p:pic>
+        <p:nvPicPr>
+          <p:cNvPr id="4" name="Picture 3">
+            <a:extLst>
+              <a:ext uri="{FF2B5EF4-FFF2-40B4-BE49-F238E27FC236}">
+                <a16:creationId xmlns:a16="http://schemas.microsoft.com/office/drawing/2014/main" id="{75137303-6D19-4D04-9295-22AC33381BD4}"/>
+              </a:ext>
+            </a:extLst>
+          </p:cNvPr>
+          <p:cNvPicPr>
+            <a:picLocks noChangeAspect="1"/>
+          </p:cNvPicPr>
+          <p:nvPr/>
+        </p:nvPicPr>
+        <p:blipFill>
+          <a:blip r:embed="rId3"/>
+          <a:stretch>
+            <a:fillRect/>
+          </a:stretch>
+        </p:blipFill>
+        <p:spPr>
+          <a:xfrm>
+            <a:off x="5679119" y="606929"/>
+            <a:ext cx="6742347" cy="5171840"/>
+          </a:xfrm>
+          <a:prstGeom prst="rect">
+            <a:avLst/>
+          </a:prstGeom>
+        </p:spPr>
+      </p:pic>
+      <mc:AlternateContent xmlns:mc="http://schemas.openxmlformats.org/markup-compatibility/2006" xmlns:a14="http://schemas.microsoft.com/office/drawing/2010/main">
+        <mc:Choice Requires="a14">
+          <p:sp>
+            <p:nvSpPr>
+              <p:cNvPr id="17" name="TextBox 16">
+                <a:extLst>
+                  <a:ext uri="{FF2B5EF4-FFF2-40B4-BE49-F238E27FC236}">
+                    <a16:creationId xmlns:a16="http://schemas.microsoft.com/office/drawing/2014/main" id="{73FD1220-9039-488F-8A4F-45161209989F}"/>
+                  </a:ext>
+                </a:extLst>
+              </p:cNvPr>
+              <p:cNvSpPr txBox="1"/>
+              <p:nvPr/>
+            </p:nvSpPr>
+            <p:spPr>
+              <a:xfrm>
+                <a:off x="4257675" y="5832881"/>
+                <a:ext cx="4543425" cy="369332"/>
+              </a:xfrm>
+              <a:prstGeom prst="rect">
+                <a:avLst/>
+              </a:prstGeom>
+              <a:noFill/>
+            </p:spPr>
+            <p:txBody>
+              <a:bodyPr wrap="square" rtlCol="0">
+                <a:spAutoFit/>
+              </a:bodyPr>
+              <a:lstStyle/>
+              <a:p>
+                <a:r>
+                  <a:rPr lang="en-US" dirty="0">
+                    <a:latin typeface="Times New Roman" panose="02020603050405020304" pitchFamily="18" charset="0"/>
+                    <a:cs typeface="Times New Roman" panose="02020603050405020304" pitchFamily="18" charset="0"/>
+                  </a:rPr>
+                  <a:t>Inductance matrices with  </a:t>
+                </a:r>
+                <a14:m>
+                  <m:oMath xmlns:m="http://schemas.openxmlformats.org/officeDocument/2006/math">
+                    <m:sSup>
+                      <m:sSupPr>
+                        <m:ctrlPr>
+                          <a:rPr lang="en-US" b="0" i="1" smtClean="0">
+                            <a:latin typeface="Cambria Math" panose="02040503050406030204" pitchFamily="18" charset="0"/>
+                            <a:cs typeface="Times New Roman" panose="02020603050405020304" pitchFamily="18" charset="0"/>
+                          </a:rPr>
+                        </m:ctrlPr>
+                      </m:sSupPr>
+                      <m:e>
+                        <m:r>
+                          <a:rPr lang="en-US" b="0" i="1" smtClean="0">
+                            <a:latin typeface="Cambria Math" panose="02040503050406030204" pitchFamily="18" charset="0"/>
+                            <a:cs typeface="Times New Roman" panose="02020603050405020304" pitchFamily="18" charset="0"/>
+                          </a:rPr>
+                          <m:t>360</m:t>
+                        </m:r>
+                      </m:e>
+                      <m:sup>
+                        <m:r>
+                          <a:rPr lang="en-US" b="0" i="1" smtClean="0">
+                            <a:latin typeface="Cambria Math" panose="02040503050406030204" pitchFamily="18" charset="0"/>
+                            <a:cs typeface="Times New Roman" panose="02020603050405020304" pitchFamily="18" charset="0"/>
+                          </a:rPr>
+                          <m:t>𝑜</m:t>
+                        </m:r>
+                      </m:sup>
+                    </m:sSup>
+                  </m:oMath>
+                </a14:m>
+                <a:r>
+                  <a:rPr lang="en-US" dirty="0">
+                    <a:latin typeface="Times New Roman" panose="02020603050405020304" pitchFamily="18" charset="0"/>
+                    <a:cs typeface="Times New Roman" panose="02020603050405020304" pitchFamily="18" charset="0"/>
+                  </a:rPr>
+                  <a:t> </a:t>
+                </a:r>
+                <a:r>
+                  <a:rPr lang="en-US" dirty="0" err="1">
+                    <a:latin typeface="Times New Roman" panose="02020603050405020304" pitchFamily="18" charset="0"/>
+                    <a:cs typeface="Times New Roman" panose="02020603050405020304" pitchFamily="18" charset="0"/>
+                  </a:rPr>
+                  <a:t>roebel</a:t>
+                </a:r>
+                <a:endParaRPr lang="en-US" dirty="0">
+                  <a:latin typeface="Times New Roman" panose="02020603050405020304" pitchFamily="18" charset="0"/>
+                  <a:cs typeface="Times New Roman" panose="02020603050405020304" pitchFamily="18" charset="0"/>
+                </a:endParaRPr>
+              </a:p>
+            </p:txBody>
+          </p:sp>
+        </mc:Choice>
+        <mc:Fallback xmlns="">
+          <p:sp>
+            <p:nvSpPr>
+              <p:cNvPr id="17" name="TextBox 16">
+                <a:extLst>
+                  <a:ext uri="{FF2B5EF4-FFF2-40B4-BE49-F238E27FC236}">
+                    <a16:creationId xmlns:a16="http://schemas.microsoft.com/office/drawing/2014/main" id="{73FD1220-9039-488F-8A4F-45161209989F}"/>
+                  </a:ext>
+                </a:extLst>
+              </p:cNvPr>
+              <p:cNvSpPr txBox="1">
+                <a:spLocks noRot="1" noChangeAspect="1" noMove="1" noResize="1" noEditPoints="1" noAdjustHandles="1" noChangeArrowheads="1" noChangeShapeType="1" noTextEdit="1"/>
+              </p:cNvSpPr>
+              <p:nvPr/>
+            </p:nvSpPr>
+            <p:spPr>
+              <a:xfrm>
+                <a:off x="4257675" y="5832881"/>
+                <a:ext cx="4543425" cy="369332"/>
+              </a:xfrm>
+              <a:prstGeom prst="rect">
+                <a:avLst/>
+              </a:prstGeom>
+              <a:blipFill>
+                <a:blip r:embed="rId4"/>
+                <a:stretch>
+                  <a:fillRect l="-1072" t="-10000" b="-26667"/>
+                </a:stretch>
+              </a:blipFill>
+            </p:spPr>
+            <p:txBody>
+              <a:bodyPr/>
+              <a:lstStyle/>
+              <a:p>
+                <a:r>
+                  <a:rPr lang="en-US">
+                    <a:noFill/>
+                  </a:rPr>
+                  <a:t> </a:t>
+                </a:r>
+              </a:p>
+            </p:txBody>
+          </p:sp>
+        </mc:Fallback>
+      </mc:AlternateContent>
+    </p:spTree>
+    <p:extLst>
+      <p:ext uri="{BB962C8B-B14F-4D97-AF65-F5344CB8AC3E}">
+        <p14:creationId xmlns:p14="http://schemas.microsoft.com/office/powerpoint/2010/main" val="1476014705"/>
+      </p:ext>
+    </p:extLst>
+  </p:cSld>
+  <p:clrMapOvr>
+    <a:masterClrMapping/>
+  </p:clrMapOvr>
+</p:sld>
+</file>
+
+<file path=ppt/slides/slide11.xml><?xml version="1.0" encoding="utf-8"?>
+<p:sld xmlns:a="http://schemas.openxmlformats.org/drawingml/2006/main" xmlns:r="http://schemas.openxmlformats.org/officeDocument/2006/relationships" xmlns:p="http://schemas.openxmlformats.org/presentationml/2006/main">
+  <p:cSld>
+    <p:spTree>
+      <p:nvGrpSpPr>
+        <p:cNvPr id="1" name=""/>
+        <p:cNvGrpSpPr/>
+        <p:nvPr/>
+      </p:nvGrpSpPr>
+      <p:grpSpPr>
+        <a:xfrm>
+          <a:off x="0" y="0"/>
+          <a:ext cx="0" cy="0"/>
+          <a:chOff x="0" y="0"/>
+          <a:chExt cx="0" cy="0"/>
+        </a:xfrm>
+      </p:grpSpPr>
+      <p:sp>
+        <p:nvSpPr>
+          <p:cNvPr id="7" name="TextBox 6">
+            <a:extLst>
+              <a:ext uri="{FF2B5EF4-FFF2-40B4-BE49-F238E27FC236}">
+                <a16:creationId xmlns:a16="http://schemas.microsoft.com/office/drawing/2014/main" id="{7CABA226-ACC6-4521-AEC5-41C553E65427}"/>
+              </a:ext>
+            </a:extLst>
+          </p:cNvPr>
+          <p:cNvSpPr txBox="1"/>
+          <p:nvPr/>
+        </p:nvSpPr>
+        <p:spPr>
+          <a:xfrm>
+            <a:off x="3352800" y="6164818"/>
+            <a:ext cx="5896969" cy="369332"/>
+          </a:xfrm>
+          <a:prstGeom prst="rect">
+            <a:avLst/>
+          </a:prstGeom>
+          <a:noFill/>
+        </p:spPr>
+        <p:txBody>
+          <a:bodyPr wrap="square" rtlCol="0">
+            <a:spAutoFit/>
+          </a:bodyPr>
+          <a:lstStyle/>
+          <a:p>
+            <a:r>
+              <a:rPr lang="en-US" dirty="0">
+                <a:latin typeface="Times New Roman" panose="02020603050405020304" pitchFamily="18" charset="0"/>
+                <a:cs typeface="Times New Roman" panose="02020603050405020304" pitchFamily="18" charset="0"/>
+              </a:rPr>
+              <a:t>Induced voltage from tangential fluxes without </a:t>
+            </a:r>
+            <a:r>
+              <a:rPr lang="en-US" dirty="0" err="1">
+                <a:latin typeface="Times New Roman" panose="02020603050405020304" pitchFamily="18" charset="0"/>
+                <a:cs typeface="Times New Roman" panose="02020603050405020304" pitchFamily="18" charset="0"/>
+              </a:rPr>
+              <a:t>roebel</a:t>
+            </a:r>
+            <a:endParaRPr lang="en-US" dirty="0">
+              <a:latin typeface="Times New Roman" panose="02020603050405020304" pitchFamily="18" charset="0"/>
+              <a:cs typeface="Times New Roman" panose="02020603050405020304" pitchFamily="18" charset="0"/>
+            </a:endParaRPr>
+          </a:p>
+        </p:txBody>
+      </p:sp>
+      <p:sp>
+        <p:nvSpPr>
+          <p:cNvPr id="8" name="TextBox 7">
+            <a:extLst>
+              <a:ext uri="{FF2B5EF4-FFF2-40B4-BE49-F238E27FC236}">
+                <a16:creationId xmlns:a16="http://schemas.microsoft.com/office/drawing/2014/main" id="{8E11F554-E326-471D-B859-4BC2A26C4B67}"/>
+              </a:ext>
+            </a:extLst>
+          </p:cNvPr>
+          <p:cNvSpPr txBox="1"/>
+          <p:nvPr/>
+        </p:nvSpPr>
+        <p:spPr>
+          <a:xfrm>
+            <a:off x="2266950" y="5980152"/>
+            <a:ext cx="1543050" cy="369332"/>
+          </a:xfrm>
+          <a:prstGeom prst="rect">
+            <a:avLst/>
+          </a:prstGeom>
+          <a:noFill/>
+        </p:spPr>
+        <p:txBody>
+          <a:bodyPr wrap="square" rtlCol="0">
+            <a:spAutoFit/>
+          </a:bodyPr>
+          <a:lstStyle/>
+          <a:p>
+            <a:r>
+              <a:rPr lang="en-US" dirty="0">
+                <a:latin typeface="Times New Roman" panose="02020603050405020304" pitchFamily="18" charset="0"/>
+                <a:cs typeface="Times New Roman" panose="02020603050405020304" pitchFamily="18" charset="0"/>
+              </a:rPr>
+              <a:t>Top</a:t>
+            </a:r>
+          </a:p>
+        </p:txBody>
+      </p:sp>
+      <p:sp>
+        <p:nvSpPr>
+          <p:cNvPr id="9" name="TextBox 8">
+            <a:extLst>
+              <a:ext uri="{FF2B5EF4-FFF2-40B4-BE49-F238E27FC236}">
+                <a16:creationId xmlns:a16="http://schemas.microsoft.com/office/drawing/2014/main" id="{1C9A38C2-A55C-4206-A7DE-4914257C726F}"/>
+              </a:ext>
+            </a:extLst>
+          </p:cNvPr>
+          <p:cNvSpPr txBox="1"/>
+          <p:nvPr/>
+        </p:nvSpPr>
+        <p:spPr>
+          <a:xfrm>
+            <a:off x="9174563" y="5980152"/>
+            <a:ext cx="1543050" cy="369332"/>
+          </a:xfrm>
+          <a:prstGeom prst="rect">
+            <a:avLst/>
+          </a:prstGeom>
+          <a:noFill/>
+        </p:spPr>
+        <p:txBody>
+          <a:bodyPr wrap="square" rtlCol="0">
+            <a:spAutoFit/>
+          </a:bodyPr>
+          <a:lstStyle/>
+          <a:p>
+            <a:r>
+              <a:rPr lang="en-US" dirty="0">
+                <a:latin typeface="Times New Roman" panose="02020603050405020304" pitchFamily="18" charset="0"/>
+                <a:cs typeface="Times New Roman" panose="02020603050405020304" pitchFamily="18" charset="0"/>
+              </a:rPr>
+              <a:t>Bottom</a:t>
+            </a:r>
+          </a:p>
+        </p:txBody>
+      </p:sp>
+      <p:pic>
+        <p:nvPicPr>
+          <p:cNvPr id="11" name="Picture 10">
+            <a:extLst>
+              <a:ext uri="{FF2B5EF4-FFF2-40B4-BE49-F238E27FC236}">
+                <a16:creationId xmlns:a16="http://schemas.microsoft.com/office/drawing/2014/main" id="{91484460-134D-4EAC-9015-2C64551D0735}"/>
+              </a:ext>
+            </a:extLst>
+          </p:cNvPr>
+          <p:cNvPicPr>
+            <a:picLocks noChangeAspect="1"/>
+          </p:cNvPicPr>
+          <p:nvPr/>
+        </p:nvPicPr>
+        <p:blipFill>
+          <a:blip r:embed="rId2"/>
+          <a:stretch>
+            <a:fillRect/>
+          </a:stretch>
+        </p:blipFill>
+        <p:spPr>
+          <a:xfrm>
+            <a:off x="587573" y="-323850"/>
+            <a:ext cx="4349354" cy="6858000"/>
+          </a:xfrm>
+          <a:prstGeom prst="rect">
+            <a:avLst/>
+          </a:prstGeom>
+        </p:spPr>
+      </p:pic>
+      <p:pic>
+        <p:nvPicPr>
+          <p:cNvPr id="12" name="Picture 11">
+            <a:extLst>
+              <a:ext uri="{FF2B5EF4-FFF2-40B4-BE49-F238E27FC236}">
+                <a16:creationId xmlns:a16="http://schemas.microsoft.com/office/drawing/2014/main" id="{CAFA2044-3B89-4601-86E7-CCA24DF8B558}"/>
+              </a:ext>
+            </a:extLst>
+          </p:cNvPr>
+          <p:cNvPicPr>
+            <a:picLocks noChangeAspect="1"/>
+          </p:cNvPicPr>
+          <p:nvPr/>
+        </p:nvPicPr>
+        <p:blipFill>
+          <a:blip r:embed="rId3"/>
+          <a:stretch>
+            <a:fillRect/>
+          </a:stretch>
+        </p:blipFill>
+        <p:spPr>
+          <a:xfrm>
+            <a:off x="7597973" y="-323850"/>
+            <a:ext cx="4349354" cy="6858000"/>
+          </a:xfrm>
+          <a:prstGeom prst="rect">
+            <a:avLst/>
+          </a:prstGeom>
+        </p:spPr>
+      </p:pic>
+    </p:spTree>
+    <p:extLst>
+      <p:ext uri="{BB962C8B-B14F-4D97-AF65-F5344CB8AC3E}">
+        <p14:creationId xmlns:p14="http://schemas.microsoft.com/office/powerpoint/2010/main" val="1470569495"/>
+      </p:ext>
+    </p:extLst>
+  </p:cSld>
+  <p:clrMapOvr>
+    <a:masterClrMapping/>
+  </p:clrMapOvr>
+</p:sld>
+</file>
+
+<file path=ppt/slides/slide12.xml><?xml version="1.0" encoding="utf-8"?>
+<p:sld xmlns:a="http://schemas.openxmlformats.org/drawingml/2006/main" xmlns:r="http://schemas.openxmlformats.org/officeDocument/2006/relationships" xmlns:p="http://schemas.openxmlformats.org/presentationml/2006/main">
+  <p:cSld>
+    <p:spTree>
+      <p:nvGrpSpPr>
+        <p:cNvPr id="1" name=""/>
+        <p:cNvGrpSpPr/>
+        <p:nvPr/>
+      </p:nvGrpSpPr>
+      <p:grpSpPr>
+        <a:xfrm>
+          <a:off x="0" y="0"/>
+          <a:ext cx="0" cy="0"/>
+          <a:chOff x="0" y="0"/>
+          <a:chExt cx="0" cy="0"/>
+        </a:xfrm>
+      </p:grpSpPr>
+      <mc:AlternateContent xmlns:mc="http://schemas.openxmlformats.org/markup-compatibility/2006" xmlns:a14="http://schemas.microsoft.com/office/drawing/2010/main">
+        <mc:Choice Requires="a14">
           <p:sp>
             <p:nvSpPr>
               <p:cNvPr id="7" name="TextBox 6">
@@ -4013,14 +4802,7 @@
                             <a:latin typeface="Cambria Math" panose="02040503050406030204" pitchFamily="18" charset="0"/>
                             <a:cs typeface="Times New Roman" panose="02020603050405020304" pitchFamily="18" charset="0"/>
                           </a:rPr>
-                          <m:t>18</m:t>
-                        </m:r>
-                        <m:r>
-                          <a:rPr lang="en-US" b="0" i="1" smtClean="0">
-                            <a:latin typeface="Cambria Math" panose="02040503050406030204" pitchFamily="18" charset="0"/>
-                            <a:cs typeface="Times New Roman" panose="02020603050405020304" pitchFamily="18" charset="0"/>
-                          </a:rPr>
-                          <m:t>0</m:t>
+                          <m:t>180</m:t>
                         </m:r>
                       </m:e>
                       <m:sup>
@@ -4057,7 +4839,7 @@
             </p:txBody>
           </p:sp>
         </mc:Choice>
-        <mc:Fallback>
+        <mc:Fallback xmlns="">
           <p:sp>
             <p:nvSpPr>
               <p:cNvPr id="7" name="TextBox 6">
@@ -4251,7 +5033,7 @@
 </p:sld>
 </file>
 
-<file path=ppt/slides/slide11.xml><?xml version="1.0" encoding="utf-8"?>
+<file path=ppt/slides/slide13.xml><?xml version="1.0" encoding="utf-8"?>
 <p:sld xmlns:a="http://schemas.openxmlformats.org/drawingml/2006/main" xmlns:r="http://schemas.openxmlformats.org/officeDocument/2006/relationships" xmlns:p="http://schemas.openxmlformats.org/presentationml/2006/main">
   <p:cSld>
     <p:spTree>
@@ -4268,8 +5050,8 @@
           <a:chExt cx="0" cy="0"/>
         </a:xfrm>
       </p:grpSpPr>
-      <mc:AlternateContent xmlns:mc="http://schemas.openxmlformats.org/markup-compatibility/2006">
-        <mc:Choice xmlns:a14="http://schemas.microsoft.com/office/drawing/2010/main" Requires="a14">
+      <mc:AlternateContent xmlns:mc="http://schemas.openxmlformats.org/markup-compatibility/2006" xmlns:a14="http://schemas.microsoft.com/office/drawing/2010/main">
+        <mc:Choice Requires="a14">
           <p:sp>
             <p:nvSpPr>
               <p:cNvPr id="7" name="TextBox 6">
@@ -4359,7 +5141,7 @@
             </p:txBody>
           </p:sp>
         </mc:Choice>
-        <mc:Fallback>
+        <mc:Fallback xmlns="">
           <p:sp>
             <p:nvSpPr>
               <p:cNvPr id="7" name="TextBox 6">
@@ -4551,6 +5333,361 @@
 </p:sld>
 </file>
 
+<file path=ppt/slides/slide14.xml><?xml version="1.0" encoding="utf-8"?>
+<p:sld xmlns:a="http://schemas.openxmlformats.org/drawingml/2006/main" xmlns:r="http://schemas.openxmlformats.org/officeDocument/2006/relationships" xmlns:p="http://schemas.openxmlformats.org/presentationml/2006/main">
+  <p:cSld>
+    <p:spTree>
+      <p:nvGrpSpPr>
+        <p:cNvPr id="1" name=""/>
+        <p:cNvGrpSpPr/>
+        <p:nvPr/>
+      </p:nvGrpSpPr>
+      <p:grpSpPr>
+        <a:xfrm>
+          <a:off x="0" y="0"/>
+          <a:ext cx="0" cy="0"/>
+          <a:chOff x="0" y="0"/>
+          <a:chExt cx="0" cy="0"/>
+        </a:xfrm>
+      </p:grpSpPr>
+      <p:pic>
+        <p:nvPicPr>
+          <p:cNvPr id="4" name="Picture 3">
+            <a:extLst>
+              <a:ext uri="{FF2B5EF4-FFF2-40B4-BE49-F238E27FC236}">
+                <a16:creationId xmlns:a16="http://schemas.microsoft.com/office/drawing/2014/main" id="{34D45EC5-6447-4D2B-8195-F3E46AB1B392}"/>
+              </a:ext>
+            </a:extLst>
+          </p:cNvPr>
+          <p:cNvPicPr>
+            <a:picLocks noChangeAspect="1"/>
+          </p:cNvPicPr>
+          <p:nvPr/>
+        </p:nvPicPr>
+        <p:blipFill>
+          <a:blip r:embed="rId2"/>
+          <a:stretch>
+            <a:fillRect/>
+          </a:stretch>
+        </p:blipFill>
+        <p:spPr>
+          <a:xfrm>
+            <a:off x="0" y="520406"/>
+            <a:ext cx="6267450" cy="3952875"/>
+          </a:xfrm>
+          <a:prstGeom prst="rect">
+            <a:avLst/>
+          </a:prstGeom>
+        </p:spPr>
+      </p:pic>
+      <p:pic>
+        <p:nvPicPr>
+          <p:cNvPr id="5" name="Picture 4">
+            <a:extLst>
+              <a:ext uri="{FF2B5EF4-FFF2-40B4-BE49-F238E27FC236}">
+                <a16:creationId xmlns:a16="http://schemas.microsoft.com/office/drawing/2014/main" id="{94A2E7C1-277C-4744-8D8B-7C903C17EC22}"/>
+              </a:ext>
+            </a:extLst>
+          </p:cNvPr>
+          <p:cNvPicPr>
+            <a:picLocks noChangeAspect="1"/>
+          </p:cNvPicPr>
+          <p:nvPr/>
+        </p:nvPicPr>
+        <p:blipFill>
+          <a:blip r:embed="rId3"/>
+          <a:stretch>
+            <a:fillRect/>
+          </a:stretch>
+        </p:blipFill>
+        <p:spPr>
+          <a:xfrm>
+            <a:off x="1417838" y="5393439"/>
+            <a:ext cx="6089342" cy="590293"/>
+          </a:xfrm>
+          <a:prstGeom prst="rect">
+            <a:avLst/>
+          </a:prstGeom>
+        </p:spPr>
+      </p:pic>
+      <mc:AlternateContent xmlns:mc="http://schemas.openxmlformats.org/markup-compatibility/2006">
+        <mc:Choice xmlns:a14="http://schemas.microsoft.com/office/drawing/2010/main" Requires="a14">
+          <p:sp>
+            <p:nvSpPr>
+              <p:cNvPr id="6" name="TextBox 5">
+                <a:extLst>
+                  <a:ext uri="{FF2B5EF4-FFF2-40B4-BE49-F238E27FC236}">
+                    <a16:creationId xmlns:a16="http://schemas.microsoft.com/office/drawing/2014/main" id="{D37B631A-AB3B-452D-96BC-239594557AC7}"/>
+                  </a:ext>
+                </a:extLst>
+              </p:cNvPr>
+              <p:cNvSpPr txBox="1"/>
+              <p:nvPr/>
+            </p:nvSpPr>
+            <p:spPr>
+              <a:xfrm>
+                <a:off x="3701987" y="6028471"/>
+                <a:ext cx="1953087" cy="618246"/>
+              </a:xfrm>
+              <a:prstGeom prst="rect">
+                <a:avLst/>
+              </a:prstGeom>
+              <a:noFill/>
+            </p:spPr>
+            <p:txBody>
+              <a:bodyPr wrap="square" rtlCol="0">
+                <a:spAutoFit/>
+              </a:bodyPr>
+              <a:lstStyle/>
+              <a:p>
+                <a14:m>
+                  <m:oMathPara xmlns:m="http://schemas.openxmlformats.org/officeDocument/2006/math">
+                    <m:oMathParaPr>
+                      <m:jc m:val="centerGroup"/>
+                    </m:oMathParaPr>
+                    <m:oMath xmlns:m="http://schemas.openxmlformats.org/officeDocument/2006/math">
+                      <m:sSub>
+                        <m:sSubPr>
+                          <m:ctrlPr>
+                            <a:rPr lang="en-US" b="0" i="1" smtClean="0">
+                              <a:latin typeface="Cambria Math" panose="02040503050406030204" pitchFamily="18" charset="0"/>
+                            </a:rPr>
+                          </m:ctrlPr>
+                        </m:sSubPr>
+                        <m:e>
+                          <m:r>
+                            <a:rPr lang="en-US" b="0" i="1" smtClean="0">
+                              <a:latin typeface="Cambria Math" panose="02040503050406030204" pitchFamily="18" charset="0"/>
+                            </a:rPr>
+                            <m:t>𝐹</m:t>
+                          </m:r>
+                        </m:e>
+                        <m:sub>
+                          <m:r>
+                            <a:rPr lang="en-US" b="0" i="1" smtClean="0">
+                              <a:latin typeface="Cambria Math" panose="02040503050406030204" pitchFamily="18" charset="0"/>
+                            </a:rPr>
+                            <m:t>𝑠𝑘𝑖𝑛</m:t>
+                          </m:r>
+                        </m:sub>
+                      </m:sSub>
+                      <m:r>
+                        <a:rPr lang="en-US" b="0" i="1" smtClean="0">
+                          <a:latin typeface="Cambria Math" panose="02040503050406030204" pitchFamily="18" charset="0"/>
+                        </a:rPr>
+                        <m:t>=</m:t>
+                      </m:r>
+                      <m:f>
+                        <m:fPr>
+                          <m:ctrlPr>
+                            <a:rPr lang="en-US" b="0" i="1" smtClean="0">
+                              <a:latin typeface="Cambria Math" panose="02040503050406030204" pitchFamily="18" charset="0"/>
+                            </a:rPr>
+                          </m:ctrlPr>
+                        </m:fPr>
+                        <m:num>
+                          <m:r>
+                            <a:rPr lang="en-US" b="0" i="1" smtClean="0">
+                              <a:latin typeface="Cambria Math" panose="02040503050406030204" pitchFamily="18" charset="0"/>
+                            </a:rPr>
+                            <m:t>h</m:t>
+                          </m:r>
+                        </m:num>
+                        <m:den>
+                          <m:r>
+                            <a:rPr lang="en-US" b="0" i="1" smtClean="0">
+                              <a:latin typeface="Cambria Math" panose="02040503050406030204" pitchFamily="18" charset="0"/>
+                            </a:rPr>
+                            <m:t>𝛿</m:t>
+                          </m:r>
+                        </m:den>
+                      </m:f>
+                    </m:oMath>
+                  </m:oMathPara>
+                </a14:m>
+                <a:endParaRPr lang="en-US" dirty="0"/>
+              </a:p>
+            </p:txBody>
+          </p:sp>
+        </mc:Choice>
+        <mc:Fallback>
+          <p:sp>
+            <p:nvSpPr>
+              <p:cNvPr id="6" name="TextBox 5">
+                <a:extLst>
+                  <a:ext uri="{FF2B5EF4-FFF2-40B4-BE49-F238E27FC236}">
+                    <a16:creationId xmlns:a16="http://schemas.microsoft.com/office/drawing/2014/main" id="{D37B631A-AB3B-452D-96BC-239594557AC7}"/>
+                  </a:ext>
+                </a:extLst>
+              </p:cNvPr>
+              <p:cNvSpPr txBox="1">
+                <a:spLocks noRot="1" noChangeAspect="1" noMove="1" noResize="1" noEditPoints="1" noAdjustHandles="1" noChangeArrowheads="1" noChangeShapeType="1" noTextEdit="1"/>
+              </p:cNvSpPr>
+              <p:nvPr/>
+            </p:nvSpPr>
+            <p:spPr>
+              <a:xfrm>
+                <a:off x="3701987" y="6028471"/>
+                <a:ext cx="1953087" cy="618246"/>
+              </a:xfrm>
+              <a:prstGeom prst="rect">
+                <a:avLst/>
+              </a:prstGeom>
+              <a:blipFill>
+                <a:blip r:embed="rId4"/>
+                <a:stretch>
+                  <a:fillRect/>
+                </a:stretch>
+              </a:blipFill>
+            </p:spPr>
+            <p:txBody>
+              <a:bodyPr/>
+              <a:lstStyle/>
+              <a:p>
+                <a:r>
+                  <a:rPr lang="en-US">
+                    <a:noFill/>
+                  </a:rPr>
+                  <a:t> </a:t>
+                </a:r>
+              </a:p>
+            </p:txBody>
+          </p:sp>
+        </mc:Fallback>
+      </mc:AlternateContent>
+    </p:spTree>
+    <p:extLst>
+      <p:ext uri="{BB962C8B-B14F-4D97-AF65-F5344CB8AC3E}">
+        <p14:creationId xmlns:p14="http://schemas.microsoft.com/office/powerpoint/2010/main" val="2352979680"/>
+      </p:ext>
+    </p:extLst>
+  </p:cSld>
+  <p:clrMapOvr>
+    <a:masterClrMapping/>
+  </p:clrMapOvr>
+</p:sld>
+</file>
+
+<file path=ppt/slides/slide15.xml><?xml version="1.0" encoding="utf-8"?>
+<p:sld xmlns:a="http://schemas.openxmlformats.org/drawingml/2006/main" xmlns:r="http://schemas.openxmlformats.org/officeDocument/2006/relationships" xmlns:p="http://schemas.openxmlformats.org/presentationml/2006/main">
+  <p:cSld>
+    <p:spTree>
+      <p:nvGrpSpPr>
+        <p:cNvPr id="1" name=""/>
+        <p:cNvGrpSpPr/>
+        <p:nvPr/>
+      </p:nvGrpSpPr>
+      <p:grpSpPr>
+        <a:xfrm>
+          <a:off x="0" y="0"/>
+          <a:ext cx="0" cy="0"/>
+          <a:chOff x="0" y="0"/>
+          <a:chExt cx="0" cy="0"/>
+        </a:xfrm>
+      </p:grpSpPr>
+      <p:pic>
+        <p:nvPicPr>
+          <p:cNvPr id="2" name="Picture 1">
+            <a:extLst>
+              <a:ext uri="{FF2B5EF4-FFF2-40B4-BE49-F238E27FC236}">
+                <a16:creationId xmlns:a16="http://schemas.microsoft.com/office/drawing/2014/main" id="{50CDE9E8-8A0B-4E78-A398-7A8166A49F3D}"/>
+              </a:ext>
+            </a:extLst>
+          </p:cNvPr>
+          <p:cNvPicPr>
+            <a:picLocks noChangeAspect="1"/>
+          </p:cNvPicPr>
+          <p:nvPr/>
+        </p:nvPicPr>
+        <p:blipFill>
+          <a:blip r:embed="rId2"/>
+          <a:stretch>
+            <a:fillRect/>
+          </a:stretch>
+        </p:blipFill>
+        <p:spPr>
+          <a:xfrm>
+            <a:off x="633644" y="1136573"/>
+            <a:ext cx="10526027" cy="4909121"/>
+          </a:xfrm>
+          <a:prstGeom prst="rect">
+            <a:avLst/>
+          </a:prstGeom>
+        </p:spPr>
+      </p:pic>
+    </p:spTree>
+    <p:extLst>
+      <p:ext uri="{BB962C8B-B14F-4D97-AF65-F5344CB8AC3E}">
+        <p14:creationId xmlns:p14="http://schemas.microsoft.com/office/powerpoint/2010/main" val="530349108"/>
+      </p:ext>
+    </p:extLst>
+  </p:cSld>
+  <p:clrMapOvr>
+    <a:masterClrMapping/>
+  </p:clrMapOvr>
+</p:sld>
+</file>
+
+<file path=ppt/slides/slide16.xml><?xml version="1.0" encoding="utf-8"?>
+<p:sld xmlns:a="http://schemas.openxmlformats.org/drawingml/2006/main" xmlns:r="http://schemas.openxmlformats.org/officeDocument/2006/relationships" xmlns:p="http://schemas.openxmlformats.org/presentationml/2006/main">
+  <p:cSld>
+    <p:spTree>
+      <p:nvGrpSpPr>
+        <p:cNvPr id="1" name=""/>
+        <p:cNvGrpSpPr/>
+        <p:nvPr/>
+      </p:nvGrpSpPr>
+      <p:grpSpPr>
+        <a:xfrm>
+          <a:off x="0" y="0"/>
+          <a:ext cx="0" cy="0"/>
+          <a:chOff x="0" y="0"/>
+          <a:chExt cx="0" cy="0"/>
+        </a:xfrm>
+      </p:grpSpPr>
+      <p:pic>
+        <p:nvPicPr>
+          <p:cNvPr id="4" name="Picture 3">
+            <a:extLst>
+              <a:ext uri="{FF2B5EF4-FFF2-40B4-BE49-F238E27FC236}">
+                <a16:creationId xmlns:a16="http://schemas.microsoft.com/office/drawing/2014/main" id="{46018687-45FD-4704-8FCD-AD132ED17364}"/>
+              </a:ext>
+            </a:extLst>
+          </p:cNvPr>
+          <p:cNvPicPr>
+            <a:picLocks noChangeAspect="1"/>
+          </p:cNvPicPr>
+          <p:nvPr/>
+        </p:nvPicPr>
+        <p:blipFill>
+          <a:blip r:embed="rId2"/>
+          <a:stretch>
+            <a:fillRect/>
+          </a:stretch>
+        </p:blipFill>
+        <p:spPr>
+          <a:xfrm>
+            <a:off x="1400868" y="475511"/>
+            <a:ext cx="7934325" cy="5143500"/>
+          </a:xfrm>
+          <a:prstGeom prst="rect">
+            <a:avLst/>
+          </a:prstGeom>
+        </p:spPr>
+      </p:pic>
+    </p:spTree>
+    <p:extLst>
+      <p:ext uri="{BB962C8B-B14F-4D97-AF65-F5344CB8AC3E}">
+        <p14:creationId xmlns:p14="http://schemas.microsoft.com/office/powerpoint/2010/main" val="4008660995"/>
+      </p:ext>
+    </p:extLst>
+  </p:cSld>
+  <p:clrMapOvr>
+    <a:masterClrMapping/>
+  </p:clrMapOvr>
+</p:sld>
+</file>
+
 <file path=ppt/slides/slide2.xml><?xml version="1.0" encoding="utf-8"?>
 <p:sld xmlns:a="http://schemas.openxmlformats.org/drawingml/2006/main" xmlns:r="http://schemas.openxmlformats.org/officeDocument/2006/relationships" xmlns:p="http://schemas.openxmlformats.org/presentationml/2006/main">
   <p:cSld>
@@ -5448,8 +6585,8 @@
           </a:p>
         </p:txBody>
       </p:sp>
-      <mc:AlternateContent xmlns:mc="http://schemas.openxmlformats.org/markup-compatibility/2006">
-        <mc:Choice xmlns:a14="http://schemas.microsoft.com/office/drawing/2010/main" Requires="a14">
+      <mc:AlternateContent xmlns:mc="http://schemas.openxmlformats.org/markup-compatibility/2006" xmlns:a14="http://schemas.microsoft.com/office/drawing/2010/main">
+        <mc:Choice Requires="a14">
           <p:sp>
             <p:nvSpPr>
               <p:cNvPr id="8" name="TextBox 7">
@@ -5659,7 +6796,7 @@
             </p:txBody>
           </p:sp>
         </mc:Choice>
-        <mc:Fallback>
+        <mc:Fallback xmlns="">
           <p:sp>
             <p:nvSpPr>
               <p:cNvPr id="8" name="TextBox 7">
@@ -6188,8 +7325,8 @@
           </a:p>
         </p:txBody>
       </p:sp>
-      <mc:AlternateContent xmlns:mc="http://schemas.openxmlformats.org/markup-compatibility/2006">
-        <mc:Choice xmlns:a14="http://schemas.microsoft.com/office/drawing/2010/main" Requires="a14">
+      <mc:AlternateContent xmlns:mc="http://schemas.openxmlformats.org/markup-compatibility/2006" xmlns:a14="http://schemas.microsoft.com/office/drawing/2010/main">
+        <mc:Choice Requires="a14">
           <p:sp>
             <p:nvSpPr>
               <p:cNvPr id="38" name="TextBox 37">
@@ -6250,21 +7387,7 @@
                     <a:latin typeface="Times New Roman" panose="02020603050405020304" pitchFamily="18" charset="0"/>
                     <a:cs typeface="Times New Roman" panose="02020603050405020304" pitchFamily="18" charset="0"/>
                   </a:rPr>
-                  <a:t>It diminishes while moving away the airgap.  (Triangle shape B field, </a:t>
-                </a:r>
-                <a:r>
-                  <a:rPr lang="en-US" dirty="0" err="1">
-                    <a:latin typeface="Times New Roman" panose="02020603050405020304" pitchFamily="18" charset="0"/>
-                    <a:cs typeface="Times New Roman" panose="02020603050405020304" pitchFamily="18" charset="0"/>
-                  </a:rPr>
-                  <a:t>eboying</a:t>
-                </a:r>
-                <a:r>
-                  <a:rPr lang="en-US" dirty="0">
-                    <a:latin typeface="Times New Roman" panose="02020603050405020304" pitchFamily="18" charset="0"/>
-                    <a:cs typeface="Times New Roman" panose="02020603050405020304" pitchFamily="18" charset="0"/>
-                  </a:rPr>
-                  <a:t> </a:t>
+                  <a:t>It diminishes while moving away the airgap.  (Triangle shape B field, obeying </a:t>
                 </a:r>
                 <a14:m>
                   <m:oMath xmlns:m="http://schemas.openxmlformats.org/officeDocument/2006/math">
@@ -6328,7 +7451,7 @@
             </p:txBody>
           </p:sp>
         </mc:Choice>
-        <mc:Fallback>
+        <mc:Fallback xmlns="">
           <p:sp>
             <p:nvSpPr>
               <p:cNvPr id="38" name="TextBox 37">
@@ -6463,8 +7586,38 @@
         </p:blipFill>
         <p:spPr>
           <a:xfrm>
-            <a:off x="385131" y="1242874"/>
-            <a:ext cx="6370697" cy="4231484"/>
+            <a:off x="300873" y="1041671"/>
+            <a:ext cx="5434136" cy="3609410"/>
+          </a:xfrm>
+          <a:prstGeom prst="rect">
+            <a:avLst/>
+          </a:prstGeom>
+        </p:spPr>
+      </p:pic>
+      <p:pic>
+        <p:nvPicPr>
+          <p:cNvPr id="2" name="Picture 1">
+            <a:extLst>
+              <a:ext uri="{FF2B5EF4-FFF2-40B4-BE49-F238E27FC236}">
+                <a16:creationId xmlns:a16="http://schemas.microsoft.com/office/drawing/2014/main" id="{00D8F1FA-C894-40C6-81F5-22364E4C3A64}"/>
+              </a:ext>
+            </a:extLst>
+          </p:cNvPr>
+          <p:cNvPicPr>
+            <a:picLocks noChangeAspect="1"/>
+          </p:cNvPicPr>
+          <p:nvPr/>
+        </p:nvPicPr>
+        <p:blipFill>
+          <a:blip r:embed="rId3"/>
+          <a:stretch>
+            <a:fillRect/>
+          </a:stretch>
+        </p:blipFill>
+        <p:spPr>
+          <a:xfrm>
+            <a:off x="6159551" y="1041672"/>
+            <a:ext cx="5434134" cy="3609409"/>
           </a:xfrm>
           <a:prstGeom prst="rect">
             <a:avLst/>
@@ -6501,6 +7654,628 @@
           <a:chExt cx="0" cy="0"/>
         </a:xfrm>
       </p:grpSpPr>
+      <p:sp>
+        <p:nvSpPr>
+          <p:cNvPr id="4" name="TextBox 3">
+            <a:extLst>
+              <a:ext uri="{FF2B5EF4-FFF2-40B4-BE49-F238E27FC236}">
+                <a16:creationId xmlns:a16="http://schemas.microsoft.com/office/drawing/2014/main" id="{12498D0C-F3DA-46CD-8CD5-CAE745CDE742}"/>
+              </a:ext>
+            </a:extLst>
+          </p:cNvPr>
+          <p:cNvSpPr txBox="1"/>
+          <p:nvPr/>
+        </p:nvSpPr>
+        <p:spPr>
+          <a:xfrm>
+            <a:off x="3773009" y="339117"/>
+            <a:ext cx="6010183" cy="523220"/>
+          </a:xfrm>
+          <a:prstGeom prst="rect">
+            <a:avLst/>
+          </a:prstGeom>
+          <a:noFill/>
+        </p:spPr>
+        <p:txBody>
+          <a:bodyPr wrap="square" rtlCol="0">
+            <a:spAutoFit/>
+          </a:bodyPr>
+          <a:lstStyle/>
+          <a:p>
+            <a:r>
+              <a:rPr lang="en-US" sz="2800" dirty="0">
+                <a:latin typeface="Times New Roman" panose="02020603050405020304" pitchFamily="18" charset="0"/>
+                <a:cs typeface="Times New Roman" panose="02020603050405020304" pitchFamily="18" charset="0"/>
+              </a:rPr>
+              <a:t>Tangential Flux on the Strands</a:t>
+            </a:r>
+          </a:p>
+        </p:txBody>
+      </p:sp>
+      <p:pic>
+        <p:nvPicPr>
+          <p:cNvPr id="3" name="Picture 2">
+            <a:extLst>
+              <a:ext uri="{FF2B5EF4-FFF2-40B4-BE49-F238E27FC236}">
+                <a16:creationId xmlns:a16="http://schemas.microsoft.com/office/drawing/2014/main" id="{3003AD01-6CCF-4D9A-BD2B-ABAD707E090B}"/>
+              </a:ext>
+            </a:extLst>
+          </p:cNvPr>
+          <p:cNvPicPr>
+            <a:picLocks noChangeAspect="1"/>
+          </p:cNvPicPr>
+          <p:nvPr/>
+        </p:nvPicPr>
+        <p:blipFill>
+          <a:blip r:embed="rId2"/>
+          <a:stretch>
+            <a:fillRect/>
+          </a:stretch>
+        </p:blipFill>
+        <p:spPr>
+          <a:xfrm>
+            <a:off x="6396360" y="1201658"/>
+            <a:ext cx="5237803" cy="3479003"/>
+          </a:xfrm>
+          <a:prstGeom prst="rect">
+            <a:avLst/>
+          </a:prstGeom>
+        </p:spPr>
+      </p:pic>
+      <p:pic>
+        <p:nvPicPr>
+          <p:cNvPr id="5" name="Picture 4">
+            <a:extLst>
+              <a:ext uri="{FF2B5EF4-FFF2-40B4-BE49-F238E27FC236}">
+                <a16:creationId xmlns:a16="http://schemas.microsoft.com/office/drawing/2014/main" id="{6083B7AA-EFF2-471C-A2DD-2499A9E33CD2}"/>
+              </a:ext>
+            </a:extLst>
+          </p:cNvPr>
+          <p:cNvPicPr>
+            <a:picLocks noChangeAspect="1"/>
+          </p:cNvPicPr>
+          <p:nvPr/>
+        </p:nvPicPr>
+        <p:blipFill>
+          <a:blip r:embed="rId3"/>
+          <a:stretch>
+            <a:fillRect/>
+          </a:stretch>
+        </p:blipFill>
+        <p:spPr>
+          <a:xfrm>
+            <a:off x="745747" y="1201658"/>
+            <a:ext cx="5237802" cy="3479003"/>
+          </a:xfrm>
+          <a:prstGeom prst="rect">
+            <a:avLst/>
+          </a:prstGeom>
+        </p:spPr>
+      </p:pic>
+    </p:spTree>
+    <p:extLst>
+      <p:ext uri="{BB962C8B-B14F-4D97-AF65-F5344CB8AC3E}">
+        <p14:creationId xmlns:p14="http://schemas.microsoft.com/office/powerpoint/2010/main" val="2723398370"/>
+      </p:ext>
+    </p:extLst>
+  </p:cSld>
+  <p:clrMapOvr>
+    <a:masterClrMapping/>
+  </p:clrMapOvr>
+</p:sld>
+</file>
+
+<file path=ppt/slides/slide7.xml><?xml version="1.0" encoding="utf-8"?>
+<p:sld xmlns:a="http://schemas.openxmlformats.org/drawingml/2006/main" xmlns:r="http://schemas.openxmlformats.org/officeDocument/2006/relationships" xmlns:p="http://schemas.openxmlformats.org/presentationml/2006/main">
+  <p:cSld>
+    <p:spTree>
+      <p:nvGrpSpPr>
+        <p:cNvPr id="1" name=""/>
+        <p:cNvGrpSpPr/>
+        <p:nvPr/>
+      </p:nvGrpSpPr>
+      <p:grpSpPr>
+        <a:xfrm>
+          <a:off x="0" y="0"/>
+          <a:ext cx="0" cy="0"/>
+          <a:chOff x="0" y="0"/>
+          <a:chExt cx="0" cy="0"/>
+        </a:xfrm>
+      </p:grpSpPr>
+      <p:sp>
+        <p:nvSpPr>
+          <p:cNvPr id="4" name="TextBox 3">
+            <a:extLst>
+              <a:ext uri="{FF2B5EF4-FFF2-40B4-BE49-F238E27FC236}">
+                <a16:creationId xmlns:a16="http://schemas.microsoft.com/office/drawing/2014/main" id="{12498D0C-F3DA-46CD-8CD5-CAE745CDE742}"/>
+              </a:ext>
+            </a:extLst>
+          </p:cNvPr>
+          <p:cNvSpPr txBox="1"/>
+          <p:nvPr/>
+        </p:nvSpPr>
+        <p:spPr>
+          <a:xfrm>
+            <a:off x="3453414" y="0"/>
+            <a:ext cx="6010183" cy="523220"/>
+          </a:xfrm>
+          <a:prstGeom prst="rect">
+            <a:avLst/>
+          </a:prstGeom>
+          <a:noFill/>
+        </p:spPr>
+        <p:txBody>
+          <a:bodyPr wrap="square" rtlCol="0">
+            <a:spAutoFit/>
+          </a:bodyPr>
+          <a:lstStyle/>
+          <a:p>
+            <a:r>
+              <a:rPr lang="en-US" sz="2800" dirty="0">
+                <a:latin typeface="Times New Roman" panose="02020603050405020304" pitchFamily="18" charset="0"/>
+                <a:cs typeface="Times New Roman" panose="02020603050405020304" pitchFamily="18" charset="0"/>
+              </a:rPr>
+              <a:t>Circulating Currents (Tangential Flux)</a:t>
+            </a:r>
+          </a:p>
+        </p:txBody>
+      </p:sp>
+      <p:pic>
+        <p:nvPicPr>
+          <p:cNvPr id="3" name="Picture 2">
+            <a:extLst>
+              <a:ext uri="{FF2B5EF4-FFF2-40B4-BE49-F238E27FC236}">
+                <a16:creationId xmlns:a16="http://schemas.microsoft.com/office/drawing/2014/main" id="{0C631A1D-2E79-4CA3-8B80-DE3EDA5B59D7}"/>
+              </a:ext>
+            </a:extLst>
+          </p:cNvPr>
+          <p:cNvPicPr>
+            <a:picLocks noChangeAspect="1"/>
+          </p:cNvPicPr>
+          <p:nvPr/>
+        </p:nvPicPr>
+        <p:blipFill>
+          <a:blip r:embed="rId2"/>
+          <a:stretch>
+            <a:fillRect/>
+          </a:stretch>
+        </p:blipFill>
+        <p:spPr>
+          <a:xfrm>
+            <a:off x="602202" y="439770"/>
+            <a:ext cx="4119239" cy="3089429"/>
+          </a:xfrm>
+          <a:prstGeom prst="rect">
+            <a:avLst/>
+          </a:prstGeom>
+        </p:spPr>
+      </p:pic>
+      <p:pic>
+        <p:nvPicPr>
+          <p:cNvPr id="6" name="Picture 5">
+            <a:extLst>
+              <a:ext uri="{FF2B5EF4-FFF2-40B4-BE49-F238E27FC236}">
+                <a16:creationId xmlns:a16="http://schemas.microsoft.com/office/drawing/2014/main" id="{25E98882-CCA0-4D47-80C3-F80B981BDCE0}"/>
+              </a:ext>
+            </a:extLst>
+          </p:cNvPr>
+          <p:cNvPicPr>
+            <a:picLocks noChangeAspect="1"/>
+          </p:cNvPicPr>
+          <p:nvPr/>
+        </p:nvPicPr>
+        <p:blipFill>
+          <a:blip r:embed="rId3"/>
+          <a:stretch>
+            <a:fillRect/>
+          </a:stretch>
+        </p:blipFill>
+        <p:spPr>
+          <a:xfrm>
+            <a:off x="7347752" y="475280"/>
+            <a:ext cx="4024544" cy="3018408"/>
+          </a:xfrm>
+          <a:prstGeom prst="rect">
+            <a:avLst/>
+          </a:prstGeom>
+        </p:spPr>
+      </p:pic>
+      <p:pic>
+        <p:nvPicPr>
+          <p:cNvPr id="8" name="Picture 7">
+            <a:extLst>
+              <a:ext uri="{FF2B5EF4-FFF2-40B4-BE49-F238E27FC236}">
+                <a16:creationId xmlns:a16="http://schemas.microsoft.com/office/drawing/2014/main" id="{EEDD825D-7FE7-4A7B-9C4D-9A6355CCE0F7}"/>
+              </a:ext>
+            </a:extLst>
+          </p:cNvPr>
+          <p:cNvPicPr>
+            <a:picLocks noChangeAspect="1"/>
+          </p:cNvPicPr>
+          <p:nvPr/>
+        </p:nvPicPr>
+        <p:blipFill>
+          <a:blip r:embed="rId4"/>
+          <a:stretch>
+            <a:fillRect/>
+          </a:stretch>
+        </p:blipFill>
+        <p:spPr>
+          <a:xfrm>
+            <a:off x="3834785" y="3617095"/>
+            <a:ext cx="4321206" cy="3240905"/>
+          </a:xfrm>
+          <a:prstGeom prst="rect">
+            <a:avLst/>
+          </a:prstGeom>
+        </p:spPr>
+      </p:pic>
+      <mc:AlternateContent xmlns:mc="http://schemas.openxmlformats.org/markup-compatibility/2006" xmlns:a14="http://schemas.microsoft.com/office/drawing/2010/main">
+        <mc:Choice Requires="a14">
+          <p:sp>
+            <p:nvSpPr>
+              <p:cNvPr id="10" name="TextBox 9">
+                <a:extLst>
+                  <a:ext uri="{FF2B5EF4-FFF2-40B4-BE49-F238E27FC236}">
+                    <a16:creationId xmlns:a16="http://schemas.microsoft.com/office/drawing/2014/main" id="{668F6B80-0EFA-4D59-AF92-25D1483D7279}"/>
+                  </a:ext>
+                </a:extLst>
+              </p:cNvPr>
+              <p:cNvSpPr txBox="1"/>
+              <p:nvPr/>
+            </p:nvSpPr>
+            <p:spPr>
+              <a:xfrm>
+                <a:off x="1198486" y="3493688"/>
+                <a:ext cx="2639257" cy="613501"/>
+              </a:xfrm>
+              <a:prstGeom prst="rect">
+                <a:avLst/>
+              </a:prstGeom>
+              <a:noFill/>
+            </p:spPr>
+            <p:txBody>
+              <a:bodyPr wrap="square" rtlCol="0">
+                <a:spAutoFit/>
+              </a:bodyPr>
+              <a:lstStyle/>
+              <a:p>
+                <a:pPr/>
+                <a14:m>
+                  <m:oMathPara xmlns:m="http://schemas.openxmlformats.org/officeDocument/2006/math">
+                    <m:oMathParaPr>
+                      <m:jc m:val="centerGroup"/>
+                    </m:oMathParaPr>
+                    <m:oMath xmlns:m="http://schemas.openxmlformats.org/officeDocument/2006/math">
+                      <m:r>
+                        <a:rPr lang="en-US" b="0" i="1" smtClean="0">
+                          <a:latin typeface="Cambria Math" panose="02040503050406030204" pitchFamily="18" charset="0"/>
+                        </a:rPr>
+                        <m:t>100</m:t>
+                      </m:r>
+                      <m:f>
+                        <m:fPr>
+                          <m:ctrlPr>
+                            <a:rPr lang="en-US" b="0" i="1" smtClean="0">
+                              <a:latin typeface="Cambria Math" panose="02040503050406030204" pitchFamily="18" charset="0"/>
+                            </a:rPr>
+                          </m:ctrlPr>
+                        </m:fPr>
+                        <m:num>
+                          <m:sSub>
+                            <m:sSubPr>
+                              <m:ctrlPr>
+                                <a:rPr lang="en-US" b="0" i="1" smtClean="0">
+                                  <a:latin typeface="Cambria Math" panose="02040503050406030204" pitchFamily="18" charset="0"/>
+                                </a:rPr>
+                              </m:ctrlPr>
+                            </m:sSubPr>
+                            <m:e>
+                              <m:r>
+                                <a:rPr lang="en-US" b="0" i="1" smtClean="0">
+                                  <a:latin typeface="Cambria Math" panose="02040503050406030204" pitchFamily="18" charset="0"/>
+                                </a:rPr>
+                                <m:t>𝑟</m:t>
+                              </m:r>
+                            </m:e>
+                            <m:sub>
+                              <m:r>
+                                <a:rPr lang="en-US" b="0" i="1" smtClean="0">
+                                  <a:latin typeface="Cambria Math" panose="02040503050406030204" pitchFamily="18" charset="0"/>
+                                </a:rPr>
+                                <m:t>𝑎𝑐</m:t>
+                              </m:r>
+                            </m:sub>
+                          </m:sSub>
+                        </m:num>
+                        <m:den>
+                          <m:sSub>
+                            <m:sSubPr>
+                              <m:ctrlPr>
+                                <a:rPr lang="en-US" b="0" i="1" smtClean="0">
+                                  <a:latin typeface="Cambria Math" panose="02040503050406030204" pitchFamily="18" charset="0"/>
+                                </a:rPr>
+                              </m:ctrlPr>
+                            </m:sSubPr>
+                            <m:e>
+                              <m:r>
+                                <a:rPr lang="en-US" b="0" i="1" smtClean="0">
+                                  <a:latin typeface="Cambria Math" panose="02040503050406030204" pitchFamily="18" charset="0"/>
+                                </a:rPr>
+                                <m:t>𝑟</m:t>
+                              </m:r>
+                            </m:e>
+                            <m:sub>
+                              <m:r>
+                                <a:rPr lang="en-US" b="0" i="1" smtClean="0">
+                                  <a:latin typeface="Cambria Math" panose="02040503050406030204" pitchFamily="18" charset="0"/>
+                                </a:rPr>
+                                <m:t>𝑑𝑐</m:t>
+                              </m:r>
+                            </m:sub>
+                          </m:sSub>
+                        </m:den>
+                      </m:f>
+                      <m:r>
+                        <a:rPr lang="en-US" i="1">
+                          <a:latin typeface="Cambria Math" panose="02040503050406030204" pitchFamily="18" charset="0"/>
+                        </a:rPr>
+                        <m:t>=101.6782</m:t>
+                      </m:r>
+                    </m:oMath>
+                  </m:oMathPara>
+                </a14:m>
+                <a:endParaRPr lang="en-US" dirty="0"/>
+              </a:p>
+            </p:txBody>
+          </p:sp>
+        </mc:Choice>
+        <mc:Fallback xmlns="">
+          <p:sp>
+            <p:nvSpPr>
+              <p:cNvPr id="10" name="TextBox 9">
+                <a:extLst>
+                  <a:ext uri="{FF2B5EF4-FFF2-40B4-BE49-F238E27FC236}">
+                    <a16:creationId xmlns:a16="http://schemas.microsoft.com/office/drawing/2014/main" id="{668F6B80-0EFA-4D59-AF92-25D1483D7279}"/>
+                  </a:ext>
+                </a:extLst>
+              </p:cNvPr>
+              <p:cNvSpPr txBox="1">
+                <a:spLocks noRot="1" noChangeAspect="1" noMove="1" noResize="1" noEditPoints="1" noAdjustHandles="1" noChangeArrowheads="1" noChangeShapeType="1" noTextEdit="1"/>
+              </p:cNvSpPr>
+              <p:nvPr/>
+            </p:nvSpPr>
+            <p:spPr>
+              <a:xfrm>
+                <a:off x="1198486" y="3493688"/>
+                <a:ext cx="2639257" cy="613501"/>
+              </a:xfrm>
+              <a:prstGeom prst="rect">
+                <a:avLst/>
+              </a:prstGeom>
+              <a:blipFill>
+                <a:blip r:embed="rId5"/>
+                <a:stretch>
+                  <a:fillRect/>
+                </a:stretch>
+              </a:blipFill>
+            </p:spPr>
+            <p:txBody>
+              <a:bodyPr/>
+              <a:lstStyle/>
+              <a:p>
+                <a:r>
+                  <a:rPr lang="en-US">
+                    <a:noFill/>
+                  </a:rPr>
+                  <a:t> </a:t>
+                </a:r>
+              </a:p>
+            </p:txBody>
+          </p:sp>
+        </mc:Fallback>
+      </mc:AlternateContent>
+      <mc:AlternateContent xmlns:mc="http://schemas.openxmlformats.org/markup-compatibility/2006" xmlns:a14="http://schemas.microsoft.com/office/drawing/2010/main">
+        <mc:Choice Requires="a14">
+          <p:sp>
+            <p:nvSpPr>
+              <p:cNvPr id="11" name="TextBox 10">
+                <a:extLst>
+                  <a:ext uri="{FF2B5EF4-FFF2-40B4-BE49-F238E27FC236}">
+                    <a16:creationId xmlns:a16="http://schemas.microsoft.com/office/drawing/2014/main" id="{987091B2-3E23-47EF-852B-BDB0E64C5FB3}"/>
+                  </a:ext>
+                </a:extLst>
+              </p:cNvPr>
+              <p:cNvSpPr txBox="1"/>
+              <p:nvPr/>
+            </p:nvSpPr>
+            <p:spPr>
+              <a:xfrm>
+                <a:off x="8354257" y="3581584"/>
+                <a:ext cx="2639257" cy="613501"/>
+              </a:xfrm>
+              <a:prstGeom prst="rect">
+                <a:avLst/>
+              </a:prstGeom>
+              <a:noFill/>
+            </p:spPr>
+            <p:txBody>
+              <a:bodyPr wrap="square" rtlCol="0">
+                <a:spAutoFit/>
+              </a:bodyPr>
+              <a:lstStyle/>
+              <a:p>
+                <a:pPr/>
+                <a14:m>
+                  <m:oMathPara xmlns:m="http://schemas.openxmlformats.org/officeDocument/2006/math">
+                    <m:oMathParaPr>
+                      <m:jc m:val="centerGroup"/>
+                    </m:oMathParaPr>
+                    <m:oMath xmlns:m="http://schemas.openxmlformats.org/officeDocument/2006/math">
+                      <m:r>
+                        <a:rPr lang="en-US" b="0" i="1" smtClean="0">
+                          <a:latin typeface="Cambria Math" panose="02040503050406030204" pitchFamily="18" charset="0"/>
+                        </a:rPr>
+                        <m:t>100</m:t>
+                      </m:r>
+                      <m:f>
+                        <m:fPr>
+                          <m:ctrlPr>
+                            <a:rPr lang="en-US" b="0" i="1" smtClean="0">
+                              <a:latin typeface="Cambria Math" panose="02040503050406030204" pitchFamily="18" charset="0"/>
+                            </a:rPr>
+                          </m:ctrlPr>
+                        </m:fPr>
+                        <m:num>
+                          <m:sSub>
+                            <m:sSubPr>
+                              <m:ctrlPr>
+                                <a:rPr lang="en-US" b="0" i="1" smtClean="0">
+                                  <a:latin typeface="Cambria Math" panose="02040503050406030204" pitchFamily="18" charset="0"/>
+                                </a:rPr>
+                              </m:ctrlPr>
+                            </m:sSubPr>
+                            <m:e>
+                              <m:r>
+                                <a:rPr lang="en-US" b="0" i="1" smtClean="0">
+                                  <a:latin typeface="Cambria Math" panose="02040503050406030204" pitchFamily="18" charset="0"/>
+                                </a:rPr>
+                                <m:t>𝑟</m:t>
+                              </m:r>
+                            </m:e>
+                            <m:sub>
+                              <m:r>
+                                <a:rPr lang="en-US" b="0" i="1" smtClean="0">
+                                  <a:latin typeface="Cambria Math" panose="02040503050406030204" pitchFamily="18" charset="0"/>
+                                </a:rPr>
+                                <m:t>𝑎𝑐</m:t>
+                              </m:r>
+                            </m:sub>
+                          </m:sSub>
+                        </m:num>
+                        <m:den>
+                          <m:sSub>
+                            <m:sSubPr>
+                              <m:ctrlPr>
+                                <a:rPr lang="en-US" b="0" i="1" smtClean="0">
+                                  <a:latin typeface="Cambria Math" panose="02040503050406030204" pitchFamily="18" charset="0"/>
+                                </a:rPr>
+                              </m:ctrlPr>
+                            </m:sSubPr>
+                            <m:e>
+                              <m:r>
+                                <a:rPr lang="en-US" b="0" i="1" smtClean="0">
+                                  <a:latin typeface="Cambria Math" panose="02040503050406030204" pitchFamily="18" charset="0"/>
+                                </a:rPr>
+                                <m:t>𝑟</m:t>
+                              </m:r>
+                            </m:e>
+                            <m:sub>
+                              <m:r>
+                                <a:rPr lang="en-US" b="0" i="1" smtClean="0">
+                                  <a:latin typeface="Cambria Math" panose="02040503050406030204" pitchFamily="18" charset="0"/>
+                                </a:rPr>
+                                <m:t>𝑑𝑐</m:t>
+                              </m:r>
+                            </m:sub>
+                          </m:sSub>
+                        </m:den>
+                      </m:f>
+                      <m:r>
+                        <a:rPr lang="en-US" i="1">
+                          <a:latin typeface="Cambria Math" panose="02040503050406030204" pitchFamily="18" charset="0"/>
+                        </a:rPr>
+                        <m:t>=101.</m:t>
+                      </m:r>
+                      <m:r>
+                        <a:rPr lang="en-US" b="0" i="1" smtClean="0">
+                          <a:latin typeface="Cambria Math" panose="02040503050406030204" pitchFamily="18" charset="0"/>
+                        </a:rPr>
+                        <m:t>8565</m:t>
+                      </m:r>
+                    </m:oMath>
+                  </m:oMathPara>
+                </a14:m>
+                <a:endParaRPr lang="en-US" dirty="0"/>
+              </a:p>
+            </p:txBody>
+          </p:sp>
+        </mc:Choice>
+        <mc:Fallback xmlns="">
+          <p:sp>
+            <p:nvSpPr>
+              <p:cNvPr id="11" name="TextBox 10">
+                <a:extLst>
+                  <a:ext uri="{FF2B5EF4-FFF2-40B4-BE49-F238E27FC236}">
+                    <a16:creationId xmlns:a16="http://schemas.microsoft.com/office/drawing/2014/main" id="{987091B2-3E23-47EF-852B-BDB0E64C5FB3}"/>
+                  </a:ext>
+                </a:extLst>
+              </p:cNvPr>
+              <p:cNvSpPr txBox="1">
+                <a:spLocks noRot="1" noChangeAspect="1" noMove="1" noResize="1" noEditPoints="1" noAdjustHandles="1" noChangeArrowheads="1" noChangeShapeType="1" noTextEdit="1"/>
+              </p:cNvSpPr>
+              <p:nvPr/>
+            </p:nvSpPr>
+            <p:spPr>
+              <a:xfrm>
+                <a:off x="8354257" y="3581584"/>
+                <a:ext cx="2639257" cy="613501"/>
+              </a:xfrm>
+              <a:prstGeom prst="rect">
+                <a:avLst/>
+              </a:prstGeom>
+              <a:blipFill>
+                <a:blip r:embed="rId6"/>
+                <a:stretch>
+                  <a:fillRect/>
+                </a:stretch>
+              </a:blipFill>
+            </p:spPr>
+            <p:txBody>
+              <a:bodyPr/>
+              <a:lstStyle/>
+              <a:p>
+                <a:r>
+                  <a:rPr lang="en-US">
+                    <a:noFill/>
+                  </a:rPr>
+                  <a:t> </a:t>
+                </a:r>
+              </a:p>
+            </p:txBody>
+          </p:sp>
+        </mc:Fallback>
+      </mc:AlternateContent>
+    </p:spTree>
+    <p:extLst>
+      <p:ext uri="{BB962C8B-B14F-4D97-AF65-F5344CB8AC3E}">
+        <p14:creationId xmlns:p14="http://schemas.microsoft.com/office/powerpoint/2010/main" val="2694831584"/>
+      </p:ext>
+    </p:extLst>
+  </p:cSld>
+  <p:clrMapOvr>
+    <a:masterClrMapping/>
+  </p:clrMapOvr>
+</p:sld>
+</file>
+
+<file path=ppt/slides/slide8.xml><?xml version="1.0" encoding="utf-8"?>
+<p:sld xmlns:a="http://schemas.openxmlformats.org/drawingml/2006/main" xmlns:r="http://schemas.openxmlformats.org/officeDocument/2006/relationships" xmlns:p="http://schemas.openxmlformats.org/presentationml/2006/main">
+  <p:cSld>
+    <p:spTree>
+      <p:nvGrpSpPr>
+        <p:cNvPr id="1" name=""/>
+        <p:cNvGrpSpPr/>
+        <p:nvPr/>
+      </p:nvGrpSpPr>
+      <p:grpSpPr>
+        <a:xfrm>
+          <a:off x="0" y="0"/>
+          <a:ext cx="0" cy="0"/>
+          <a:chOff x="0" y="0"/>
+          <a:chExt cx="0" cy="0"/>
+        </a:xfrm>
+      </p:grpSpPr>
       <p:pic>
         <p:nvPicPr>
           <p:cNvPr id="6" name="Picture 5">
@@ -6923,7 +8698,7 @@
 </p:sld>
 </file>
 
-<file path=ppt/slides/slide7.xml><?xml version="1.0" encoding="utf-8"?>
+<file path=ppt/slides/slide9.xml><?xml version="1.0" encoding="utf-8"?>
 <p:sld xmlns:a="http://schemas.openxmlformats.org/drawingml/2006/main" xmlns:r="http://schemas.openxmlformats.org/officeDocument/2006/relationships" xmlns:p="http://schemas.openxmlformats.org/presentationml/2006/main">
   <p:cSld>
     <p:spTree>
@@ -7259,8 +9034,8 @@
           </a:fontRef>
         </p:style>
       </p:cxnSp>
-      <mc:AlternateContent xmlns:mc="http://schemas.openxmlformats.org/markup-compatibility/2006">
-        <mc:Choice xmlns:a14="http://schemas.microsoft.com/office/drawing/2010/main" Requires="a14">
+      <mc:AlternateContent xmlns:mc="http://schemas.openxmlformats.org/markup-compatibility/2006" xmlns:a14="http://schemas.microsoft.com/office/drawing/2010/main">
+        <mc:Choice Requires="a14">
           <p:sp>
             <p:nvSpPr>
               <p:cNvPr id="18" name="TextBox 17">
@@ -7350,7 +9125,7 @@
             </p:txBody>
           </p:sp>
         </mc:Choice>
-        <mc:Fallback>
+        <mc:Fallback xmlns="">
           <p:sp>
             <p:nvSpPr>
               <p:cNvPr id="18" name="TextBox 17">
@@ -7429,785 +9204,6 @@
     <p:extLst>
       <p:ext uri="{BB962C8B-B14F-4D97-AF65-F5344CB8AC3E}">
         <p14:creationId xmlns:p14="http://schemas.microsoft.com/office/powerpoint/2010/main" val="208388320"/>
-      </p:ext>
-    </p:extLst>
-  </p:cSld>
-  <p:clrMapOvr>
-    <a:masterClrMapping/>
-  </p:clrMapOvr>
-</p:sld>
-</file>
-
-<file path=ppt/slides/slide8.xml><?xml version="1.0" encoding="utf-8"?>
-<p:sld xmlns:a="http://schemas.openxmlformats.org/drawingml/2006/main" xmlns:r="http://schemas.openxmlformats.org/officeDocument/2006/relationships" xmlns:p="http://schemas.openxmlformats.org/presentationml/2006/main">
-  <p:cSld>
-    <p:spTree>
-      <p:nvGrpSpPr>
-        <p:cNvPr id="1" name=""/>
-        <p:cNvGrpSpPr/>
-        <p:nvPr/>
-      </p:nvGrpSpPr>
-      <p:grpSpPr>
-        <a:xfrm>
-          <a:off x="0" y="0"/>
-          <a:ext cx="0" cy="0"/>
-          <a:chOff x="0" y="0"/>
-          <a:chExt cx="0" cy="0"/>
-        </a:xfrm>
-      </p:grpSpPr>
-      <p:sp>
-        <p:nvSpPr>
-          <p:cNvPr id="8" name="TextBox 7">
-            <a:extLst>
-              <a:ext uri="{FF2B5EF4-FFF2-40B4-BE49-F238E27FC236}">
-                <a16:creationId xmlns:a16="http://schemas.microsoft.com/office/drawing/2014/main" id="{84350E58-F49F-4971-AE38-991093B48A84}"/>
-              </a:ext>
-            </a:extLst>
-          </p:cNvPr>
-          <p:cNvSpPr txBox="1"/>
-          <p:nvPr/>
-        </p:nvSpPr>
-        <p:spPr>
-          <a:xfrm>
-            <a:off x="2714625" y="5285243"/>
-            <a:ext cx="1543050" cy="369332"/>
-          </a:xfrm>
-          <a:prstGeom prst="rect">
-            <a:avLst/>
-          </a:prstGeom>
-          <a:noFill/>
-        </p:spPr>
-        <p:txBody>
-          <a:bodyPr wrap="square" rtlCol="0">
-            <a:spAutoFit/>
-          </a:bodyPr>
-          <a:lstStyle/>
-          <a:p>
-            <a:r>
-              <a:rPr lang="en-US" dirty="0">
-                <a:latin typeface="Times New Roman" panose="02020603050405020304" pitchFamily="18" charset="0"/>
-                <a:cs typeface="Times New Roman" panose="02020603050405020304" pitchFamily="18" charset="0"/>
-              </a:rPr>
-              <a:t>Top</a:t>
-            </a:r>
-          </a:p>
-        </p:txBody>
-      </p:sp>
-      <p:sp>
-        <p:nvSpPr>
-          <p:cNvPr id="9" name="TextBox 8">
-            <a:extLst>
-              <a:ext uri="{FF2B5EF4-FFF2-40B4-BE49-F238E27FC236}">
-                <a16:creationId xmlns:a16="http://schemas.microsoft.com/office/drawing/2014/main" id="{4463DDA2-707A-4754-9375-91F5AD36B52D}"/>
-              </a:ext>
-            </a:extLst>
-          </p:cNvPr>
-          <p:cNvSpPr txBox="1"/>
-          <p:nvPr/>
-        </p:nvSpPr>
-        <p:spPr>
-          <a:xfrm>
-            <a:off x="9050293" y="5300810"/>
-            <a:ext cx="1543050" cy="369332"/>
-          </a:xfrm>
-          <a:prstGeom prst="rect">
-            <a:avLst/>
-          </a:prstGeom>
-          <a:noFill/>
-        </p:spPr>
-        <p:txBody>
-          <a:bodyPr wrap="square" rtlCol="0">
-            <a:spAutoFit/>
-          </a:bodyPr>
-          <a:lstStyle/>
-          <a:p>
-            <a:r>
-              <a:rPr lang="en-US" dirty="0">
-                <a:latin typeface="Times New Roman" panose="02020603050405020304" pitchFamily="18" charset="0"/>
-                <a:cs typeface="Times New Roman" panose="02020603050405020304" pitchFamily="18" charset="0"/>
-              </a:rPr>
-              <a:t>Bottom</a:t>
-            </a:r>
-          </a:p>
-        </p:txBody>
-      </p:sp>
-      <p:sp>
-        <p:nvSpPr>
-          <p:cNvPr id="10" name="TextBox 9">
-            <a:extLst>
-              <a:ext uri="{FF2B5EF4-FFF2-40B4-BE49-F238E27FC236}">
-                <a16:creationId xmlns:a16="http://schemas.microsoft.com/office/drawing/2014/main" id="{8AFA4607-0A2B-4AA0-B3E2-8D6AECB62AD8}"/>
-              </a:ext>
-            </a:extLst>
-          </p:cNvPr>
-          <p:cNvSpPr txBox="1"/>
-          <p:nvPr/>
-        </p:nvSpPr>
-        <p:spPr>
-          <a:xfrm>
-            <a:off x="5386388" y="140524"/>
-            <a:ext cx="4543425" cy="369332"/>
-          </a:xfrm>
-          <a:prstGeom prst="rect">
-            <a:avLst/>
-          </a:prstGeom>
-          <a:noFill/>
-        </p:spPr>
-        <p:txBody>
-          <a:bodyPr wrap="square" rtlCol="0">
-            <a:spAutoFit/>
-          </a:bodyPr>
-          <a:lstStyle/>
-          <a:p>
-            <a:r>
-              <a:rPr lang="en-US" dirty="0">
-                <a:latin typeface="Times New Roman" panose="02020603050405020304" pitchFamily="18" charset="0"/>
-                <a:cs typeface="Times New Roman" panose="02020603050405020304" pitchFamily="18" charset="0"/>
-              </a:rPr>
-              <a:t>Inductance Matrices</a:t>
-            </a:r>
-          </a:p>
-        </p:txBody>
-      </p:sp>
-      <p:sp>
-        <p:nvSpPr>
-          <p:cNvPr id="12" name="TextBox 11">
-            <a:extLst>
-              <a:ext uri="{FF2B5EF4-FFF2-40B4-BE49-F238E27FC236}">
-                <a16:creationId xmlns:a16="http://schemas.microsoft.com/office/drawing/2014/main" id="{7B300250-F524-46CB-92B2-854F5424BB28}"/>
-              </a:ext>
-            </a:extLst>
-          </p:cNvPr>
-          <p:cNvSpPr txBox="1"/>
-          <p:nvPr/>
-        </p:nvSpPr>
-        <p:spPr>
-          <a:xfrm rot="16200000">
-            <a:off x="-499175" y="2752725"/>
-            <a:ext cx="1367682" cy="369332"/>
-          </a:xfrm>
-          <a:prstGeom prst="rect">
-            <a:avLst/>
-          </a:prstGeom>
-          <a:noFill/>
-        </p:spPr>
-        <p:txBody>
-          <a:bodyPr wrap="none" rtlCol="0">
-            <a:spAutoFit/>
-          </a:bodyPr>
-          <a:lstStyle/>
-          <a:p>
-            <a:r>
-              <a:rPr lang="en-US" dirty="0">
-                <a:latin typeface="Times New Roman" panose="02020603050405020304" pitchFamily="18" charset="0"/>
-                <a:cs typeface="Times New Roman" panose="02020603050405020304" pitchFamily="18" charset="0"/>
-              </a:rPr>
-              <a:t>Slot Number</a:t>
-            </a:r>
-          </a:p>
-        </p:txBody>
-      </p:sp>
-      <p:cxnSp>
-        <p:nvCxnSpPr>
-          <p:cNvPr id="14" name="Straight Arrow Connector 13">
-            <a:extLst>
-              <a:ext uri="{FF2B5EF4-FFF2-40B4-BE49-F238E27FC236}">
-                <a16:creationId xmlns:a16="http://schemas.microsoft.com/office/drawing/2014/main" id="{94B4F4CA-87D6-420B-91D8-0B9A913351B7}"/>
-              </a:ext>
-            </a:extLst>
-          </p:cNvPr>
-          <p:cNvCxnSpPr>
-            <a:cxnSpLocks/>
-          </p:cNvCxnSpPr>
-          <p:nvPr/>
-        </p:nvCxnSpPr>
-        <p:spPr>
-          <a:xfrm flipH="1" flipV="1">
-            <a:off x="4325703" y="489701"/>
-            <a:ext cx="1314450" cy="463449"/>
-          </a:xfrm>
-          <a:prstGeom prst="straightConnector1">
-            <a:avLst/>
-          </a:prstGeom>
-          <a:ln>
-            <a:solidFill>
-              <a:schemeClr val="tx1"/>
-            </a:solidFill>
-            <a:tailEnd type="triangle"/>
-          </a:ln>
-        </p:spPr>
-        <p:style>
-          <a:lnRef idx="1">
-            <a:schemeClr val="accent1"/>
-          </a:lnRef>
-          <a:fillRef idx="0">
-            <a:schemeClr val="accent1"/>
-          </a:fillRef>
-          <a:effectRef idx="0">
-            <a:schemeClr val="accent1"/>
-          </a:effectRef>
-          <a:fontRef idx="minor">
-            <a:schemeClr val="tx1"/>
-          </a:fontRef>
-        </p:style>
-      </p:cxnSp>
-      <p:sp>
-        <p:nvSpPr>
-          <p:cNvPr id="15" name="TextBox 14">
-            <a:extLst>
-              <a:ext uri="{FF2B5EF4-FFF2-40B4-BE49-F238E27FC236}">
-                <a16:creationId xmlns:a16="http://schemas.microsoft.com/office/drawing/2014/main" id="{DCF9EE5B-0C7A-46B7-A0B5-C94BEC1C96C7}"/>
-              </a:ext>
-            </a:extLst>
-          </p:cNvPr>
-          <p:cNvSpPr txBox="1"/>
-          <p:nvPr/>
-        </p:nvSpPr>
-        <p:spPr>
-          <a:xfrm>
-            <a:off x="3000320" y="295481"/>
-            <a:ext cx="1695450" cy="369332"/>
-          </a:xfrm>
-          <a:prstGeom prst="rect">
-            <a:avLst/>
-          </a:prstGeom>
-          <a:noFill/>
-        </p:spPr>
-        <p:txBody>
-          <a:bodyPr wrap="square" rtlCol="0">
-            <a:spAutoFit/>
-          </a:bodyPr>
-          <a:lstStyle/>
-          <a:p>
-            <a:r>
-              <a:rPr lang="en-US" dirty="0">
-                <a:latin typeface="Times New Roman" panose="02020603050405020304" pitchFamily="18" charset="0"/>
-                <a:cs typeface="Times New Roman" panose="02020603050405020304" pitchFamily="18" charset="0"/>
-              </a:rPr>
-              <a:t>Max 0.7 </a:t>
-            </a:r>
-            <a:r>
-              <a:rPr lang="en-US" dirty="0" err="1">
-                <a:latin typeface="Times New Roman" panose="02020603050405020304" pitchFamily="18" charset="0"/>
-                <a:cs typeface="Times New Roman" panose="02020603050405020304" pitchFamily="18" charset="0"/>
-              </a:rPr>
-              <a:t>mH</a:t>
-            </a:r>
-            <a:endParaRPr lang="en-US" dirty="0">
-              <a:latin typeface="Times New Roman" panose="02020603050405020304" pitchFamily="18" charset="0"/>
-              <a:cs typeface="Times New Roman" panose="02020603050405020304" pitchFamily="18" charset="0"/>
-            </a:endParaRPr>
-          </a:p>
-        </p:txBody>
-      </p:sp>
-      <p:sp>
-        <p:nvSpPr>
-          <p:cNvPr id="16" name="TextBox 15">
-            <a:extLst>
-              <a:ext uri="{FF2B5EF4-FFF2-40B4-BE49-F238E27FC236}">
-                <a16:creationId xmlns:a16="http://schemas.microsoft.com/office/drawing/2014/main" id="{6632A2DD-DC1C-4B9C-8A04-7CD78B2B0AD1}"/>
-              </a:ext>
-            </a:extLst>
-          </p:cNvPr>
-          <p:cNvSpPr txBox="1"/>
-          <p:nvPr/>
-        </p:nvSpPr>
-        <p:spPr>
-          <a:xfrm>
-            <a:off x="8749409" y="295481"/>
-            <a:ext cx="1695450" cy="369332"/>
-          </a:xfrm>
-          <a:prstGeom prst="rect">
-            <a:avLst/>
-          </a:prstGeom>
-          <a:noFill/>
-        </p:spPr>
-        <p:txBody>
-          <a:bodyPr wrap="square" rtlCol="0">
-            <a:spAutoFit/>
-          </a:bodyPr>
-          <a:lstStyle/>
-          <a:p>
-            <a:r>
-              <a:rPr lang="en-US" dirty="0">
-                <a:latin typeface="Times New Roman" panose="02020603050405020304" pitchFamily="18" charset="0"/>
-                <a:cs typeface="Times New Roman" panose="02020603050405020304" pitchFamily="18" charset="0"/>
-              </a:rPr>
-              <a:t>Max 1.9 </a:t>
-            </a:r>
-            <a:r>
-              <a:rPr lang="en-US" dirty="0" err="1">
-                <a:latin typeface="Times New Roman" panose="02020603050405020304" pitchFamily="18" charset="0"/>
-                <a:cs typeface="Times New Roman" panose="02020603050405020304" pitchFamily="18" charset="0"/>
-              </a:rPr>
-              <a:t>mH</a:t>
-            </a:r>
-            <a:endParaRPr lang="en-US" dirty="0">
-              <a:latin typeface="Times New Roman" panose="02020603050405020304" pitchFamily="18" charset="0"/>
-              <a:cs typeface="Times New Roman" panose="02020603050405020304" pitchFamily="18" charset="0"/>
-            </a:endParaRPr>
-          </a:p>
-        </p:txBody>
-      </p:sp>
-      <p:cxnSp>
-        <p:nvCxnSpPr>
-          <p:cNvPr id="20" name="Straight Arrow Connector 19">
-            <a:extLst>
-              <a:ext uri="{FF2B5EF4-FFF2-40B4-BE49-F238E27FC236}">
-                <a16:creationId xmlns:a16="http://schemas.microsoft.com/office/drawing/2014/main" id="{E00871F3-B938-492B-AF76-922A9E79B9BE}"/>
-              </a:ext>
-            </a:extLst>
-          </p:cNvPr>
-          <p:cNvCxnSpPr>
-            <a:cxnSpLocks/>
-          </p:cNvCxnSpPr>
-          <p:nvPr/>
-        </p:nvCxnSpPr>
-        <p:spPr>
-          <a:xfrm flipH="1" flipV="1">
-            <a:off x="10076925" y="480147"/>
-            <a:ext cx="1314450" cy="463449"/>
-          </a:xfrm>
-          <a:prstGeom prst="straightConnector1">
-            <a:avLst/>
-          </a:prstGeom>
-          <a:ln>
-            <a:solidFill>
-              <a:schemeClr val="tx1"/>
-            </a:solidFill>
-            <a:tailEnd type="triangle"/>
-          </a:ln>
-        </p:spPr>
-        <p:style>
-          <a:lnRef idx="1">
-            <a:schemeClr val="accent1"/>
-          </a:lnRef>
-          <a:fillRef idx="0">
-            <a:schemeClr val="accent1"/>
-          </a:fillRef>
-          <a:effectRef idx="0">
-            <a:schemeClr val="accent1"/>
-          </a:effectRef>
-          <a:fontRef idx="minor">
-            <a:schemeClr val="tx1"/>
-          </a:fontRef>
-        </p:style>
-      </p:cxnSp>
-      <p:pic>
-        <p:nvPicPr>
-          <p:cNvPr id="2" name="Picture 1">
-            <a:extLst>
-              <a:ext uri="{FF2B5EF4-FFF2-40B4-BE49-F238E27FC236}">
-                <a16:creationId xmlns:a16="http://schemas.microsoft.com/office/drawing/2014/main" id="{32831C2C-4AE3-4E99-919E-6A92E5E80CBE}"/>
-              </a:ext>
-            </a:extLst>
-          </p:cNvPr>
-          <p:cNvPicPr>
-            <a:picLocks noChangeAspect="1"/>
-          </p:cNvPicPr>
-          <p:nvPr/>
-        </p:nvPicPr>
-        <p:blipFill>
-          <a:blip r:embed="rId2"/>
-          <a:stretch>
-            <a:fillRect/>
-          </a:stretch>
-        </p:blipFill>
-        <p:spPr>
-          <a:xfrm>
-            <a:off x="-311581" y="606929"/>
-            <a:ext cx="7093423" cy="5203160"/>
-          </a:xfrm>
-          <a:prstGeom prst="rect">
-            <a:avLst/>
-          </a:prstGeom>
-        </p:spPr>
-      </p:pic>
-      <p:pic>
-        <p:nvPicPr>
-          <p:cNvPr id="4" name="Picture 3">
-            <a:extLst>
-              <a:ext uri="{FF2B5EF4-FFF2-40B4-BE49-F238E27FC236}">
-                <a16:creationId xmlns:a16="http://schemas.microsoft.com/office/drawing/2014/main" id="{75137303-6D19-4D04-9295-22AC33381BD4}"/>
-              </a:ext>
-            </a:extLst>
-          </p:cNvPr>
-          <p:cNvPicPr>
-            <a:picLocks noChangeAspect="1"/>
-          </p:cNvPicPr>
-          <p:nvPr/>
-        </p:nvPicPr>
-        <p:blipFill>
-          <a:blip r:embed="rId3"/>
-          <a:stretch>
-            <a:fillRect/>
-          </a:stretch>
-        </p:blipFill>
-        <p:spPr>
-          <a:xfrm>
-            <a:off x="5679119" y="606929"/>
-            <a:ext cx="6742347" cy="5171840"/>
-          </a:xfrm>
-          <a:prstGeom prst="rect">
-            <a:avLst/>
-          </a:prstGeom>
-        </p:spPr>
-      </p:pic>
-      <mc:AlternateContent xmlns:mc="http://schemas.openxmlformats.org/markup-compatibility/2006">
-        <mc:Choice xmlns:a14="http://schemas.microsoft.com/office/drawing/2010/main" Requires="a14">
-          <p:sp>
-            <p:nvSpPr>
-              <p:cNvPr id="17" name="TextBox 16">
-                <a:extLst>
-                  <a:ext uri="{FF2B5EF4-FFF2-40B4-BE49-F238E27FC236}">
-                    <a16:creationId xmlns:a16="http://schemas.microsoft.com/office/drawing/2014/main" id="{73FD1220-9039-488F-8A4F-45161209989F}"/>
-                  </a:ext>
-                </a:extLst>
-              </p:cNvPr>
-              <p:cNvSpPr txBox="1"/>
-              <p:nvPr/>
-            </p:nvSpPr>
-            <p:spPr>
-              <a:xfrm>
-                <a:off x="4257675" y="5832881"/>
-                <a:ext cx="4543425" cy="369332"/>
-              </a:xfrm>
-              <a:prstGeom prst="rect">
-                <a:avLst/>
-              </a:prstGeom>
-              <a:noFill/>
-            </p:spPr>
-            <p:txBody>
-              <a:bodyPr wrap="square" rtlCol="0">
-                <a:spAutoFit/>
-              </a:bodyPr>
-              <a:lstStyle/>
-              <a:p>
-                <a:r>
-                  <a:rPr lang="en-US" dirty="0">
-                    <a:latin typeface="Times New Roman" panose="02020603050405020304" pitchFamily="18" charset="0"/>
-                    <a:cs typeface="Times New Roman" panose="02020603050405020304" pitchFamily="18" charset="0"/>
-                  </a:rPr>
-                  <a:t>Inductance matrices with  </a:t>
-                </a:r>
-                <a14:m>
-                  <m:oMath xmlns:m="http://schemas.openxmlformats.org/officeDocument/2006/math">
-                    <m:sSup>
-                      <m:sSupPr>
-                        <m:ctrlPr>
-                          <a:rPr lang="en-US" b="0" i="1" smtClean="0">
-                            <a:latin typeface="Cambria Math" panose="02040503050406030204" pitchFamily="18" charset="0"/>
-                            <a:cs typeface="Times New Roman" panose="02020603050405020304" pitchFamily="18" charset="0"/>
-                          </a:rPr>
-                        </m:ctrlPr>
-                      </m:sSupPr>
-                      <m:e>
-                        <m:r>
-                          <a:rPr lang="en-US" b="0" i="1" smtClean="0">
-                            <a:latin typeface="Cambria Math" panose="02040503050406030204" pitchFamily="18" charset="0"/>
-                            <a:cs typeface="Times New Roman" panose="02020603050405020304" pitchFamily="18" charset="0"/>
-                          </a:rPr>
-                          <m:t>360</m:t>
-                        </m:r>
-                      </m:e>
-                      <m:sup>
-                        <m:r>
-                          <a:rPr lang="en-US" b="0" i="1" smtClean="0">
-                            <a:latin typeface="Cambria Math" panose="02040503050406030204" pitchFamily="18" charset="0"/>
-                            <a:cs typeface="Times New Roman" panose="02020603050405020304" pitchFamily="18" charset="0"/>
-                          </a:rPr>
-                          <m:t>𝑜</m:t>
-                        </m:r>
-                      </m:sup>
-                    </m:sSup>
-                  </m:oMath>
-                </a14:m>
-                <a:r>
-                  <a:rPr lang="en-US" dirty="0">
-                    <a:latin typeface="Times New Roman" panose="02020603050405020304" pitchFamily="18" charset="0"/>
-                    <a:cs typeface="Times New Roman" panose="02020603050405020304" pitchFamily="18" charset="0"/>
-                  </a:rPr>
-                  <a:t> </a:t>
-                </a:r>
-                <a:r>
-                  <a:rPr lang="en-US" dirty="0" err="1">
-                    <a:latin typeface="Times New Roman" panose="02020603050405020304" pitchFamily="18" charset="0"/>
-                    <a:cs typeface="Times New Roman" panose="02020603050405020304" pitchFamily="18" charset="0"/>
-                  </a:rPr>
-                  <a:t>roebel</a:t>
-                </a:r>
-                <a:endParaRPr lang="en-US" dirty="0">
-                  <a:latin typeface="Times New Roman" panose="02020603050405020304" pitchFamily="18" charset="0"/>
-                  <a:cs typeface="Times New Roman" panose="02020603050405020304" pitchFamily="18" charset="0"/>
-                </a:endParaRPr>
-              </a:p>
-            </p:txBody>
-          </p:sp>
-        </mc:Choice>
-        <mc:Fallback>
-          <p:sp>
-            <p:nvSpPr>
-              <p:cNvPr id="17" name="TextBox 16">
-                <a:extLst>
-                  <a:ext uri="{FF2B5EF4-FFF2-40B4-BE49-F238E27FC236}">
-                    <a16:creationId xmlns:a16="http://schemas.microsoft.com/office/drawing/2014/main" id="{73FD1220-9039-488F-8A4F-45161209989F}"/>
-                  </a:ext>
-                </a:extLst>
-              </p:cNvPr>
-              <p:cNvSpPr txBox="1">
-                <a:spLocks noRot="1" noChangeAspect="1" noMove="1" noResize="1" noEditPoints="1" noAdjustHandles="1" noChangeArrowheads="1" noChangeShapeType="1" noTextEdit="1"/>
-              </p:cNvSpPr>
-              <p:nvPr/>
-            </p:nvSpPr>
-            <p:spPr>
-              <a:xfrm>
-                <a:off x="4257675" y="5832881"/>
-                <a:ext cx="4543425" cy="369332"/>
-              </a:xfrm>
-              <a:prstGeom prst="rect">
-                <a:avLst/>
-              </a:prstGeom>
-              <a:blipFill>
-                <a:blip r:embed="rId4"/>
-                <a:stretch>
-                  <a:fillRect l="-1072" t="-10000" b="-26667"/>
-                </a:stretch>
-              </a:blipFill>
-            </p:spPr>
-            <p:txBody>
-              <a:bodyPr/>
-              <a:lstStyle/>
-              <a:p>
-                <a:r>
-                  <a:rPr lang="en-US">
-                    <a:noFill/>
-                  </a:rPr>
-                  <a:t> </a:t>
-                </a:r>
-              </a:p>
-            </p:txBody>
-          </p:sp>
-        </mc:Fallback>
-      </mc:AlternateContent>
-    </p:spTree>
-    <p:extLst>
-      <p:ext uri="{BB962C8B-B14F-4D97-AF65-F5344CB8AC3E}">
-        <p14:creationId xmlns:p14="http://schemas.microsoft.com/office/powerpoint/2010/main" val="1476014705"/>
-      </p:ext>
-    </p:extLst>
-  </p:cSld>
-  <p:clrMapOvr>
-    <a:masterClrMapping/>
-  </p:clrMapOvr>
-</p:sld>
-</file>
-
-<file path=ppt/slides/slide9.xml><?xml version="1.0" encoding="utf-8"?>
-<p:sld xmlns:a="http://schemas.openxmlformats.org/drawingml/2006/main" xmlns:r="http://schemas.openxmlformats.org/officeDocument/2006/relationships" xmlns:p="http://schemas.openxmlformats.org/presentationml/2006/main">
-  <p:cSld>
-    <p:spTree>
-      <p:nvGrpSpPr>
-        <p:cNvPr id="1" name=""/>
-        <p:cNvGrpSpPr/>
-        <p:nvPr/>
-      </p:nvGrpSpPr>
-      <p:grpSpPr>
-        <a:xfrm>
-          <a:off x="0" y="0"/>
-          <a:ext cx="0" cy="0"/>
-          <a:chOff x="0" y="0"/>
-          <a:chExt cx="0" cy="0"/>
-        </a:xfrm>
-      </p:grpSpPr>
-      <p:sp>
-        <p:nvSpPr>
-          <p:cNvPr id="7" name="TextBox 6">
-            <a:extLst>
-              <a:ext uri="{FF2B5EF4-FFF2-40B4-BE49-F238E27FC236}">
-                <a16:creationId xmlns:a16="http://schemas.microsoft.com/office/drawing/2014/main" id="{7CABA226-ACC6-4521-AEC5-41C553E65427}"/>
-              </a:ext>
-            </a:extLst>
-          </p:cNvPr>
-          <p:cNvSpPr txBox="1"/>
-          <p:nvPr/>
-        </p:nvSpPr>
-        <p:spPr>
-          <a:xfrm>
-            <a:off x="3352800" y="6164818"/>
-            <a:ext cx="5896969" cy="369332"/>
-          </a:xfrm>
-          <a:prstGeom prst="rect">
-            <a:avLst/>
-          </a:prstGeom>
-          <a:noFill/>
-        </p:spPr>
-        <p:txBody>
-          <a:bodyPr wrap="square" rtlCol="0">
-            <a:spAutoFit/>
-          </a:bodyPr>
-          <a:lstStyle/>
-          <a:p>
-            <a:r>
-              <a:rPr lang="en-US" dirty="0">
-                <a:latin typeface="Times New Roman" panose="02020603050405020304" pitchFamily="18" charset="0"/>
-                <a:cs typeface="Times New Roman" panose="02020603050405020304" pitchFamily="18" charset="0"/>
-              </a:rPr>
-              <a:t>Induced voltage from tangential fluxes without </a:t>
-            </a:r>
-            <a:r>
-              <a:rPr lang="en-US" dirty="0" err="1">
-                <a:latin typeface="Times New Roman" panose="02020603050405020304" pitchFamily="18" charset="0"/>
-                <a:cs typeface="Times New Roman" panose="02020603050405020304" pitchFamily="18" charset="0"/>
-              </a:rPr>
-              <a:t>roebel</a:t>
-            </a:r>
-            <a:endParaRPr lang="en-US" dirty="0">
-              <a:latin typeface="Times New Roman" panose="02020603050405020304" pitchFamily="18" charset="0"/>
-              <a:cs typeface="Times New Roman" panose="02020603050405020304" pitchFamily="18" charset="0"/>
-            </a:endParaRPr>
-          </a:p>
-        </p:txBody>
-      </p:sp>
-      <p:sp>
-        <p:nvSpPr>
-          <p:cNvPr id="8" name="TextBox 7">
-            <a:extLst>
-              <a:ext uri="{FF2B5EF4-FFF2-40B4-BE49-F238E27FC236}">
-                <a16:creationId xmlns:a16="http://schemas.microsoft.com/office/drawing/2014/main" id="{8E11F554-E326-471D-B859-4BC2A26C4B67}"/>
-              </a:ext>
-            </a:extLst>
-          </p:cNvPr>
-          <p:cNvSpPr txBox="1"/>
-          <p:nvPr/>
-        </p:nvSpPr>
-        <p:spPr>
-          <a:xfrm>
-            <a:off x="2266950" y="5980152"/>
-            <a:ext cx="1543050" cy="369332"/>
-          </a:xfrm>
-          <a:prstGeom prst="rect">
-            <a:avLst/>
-          </a:prstGeom>
-          <a:noFill/>
-        </p:spPr>
-        <p:txBody>
-          <a:bodyPr wrap="square" rtlCol="0">
-            <a:spAutoFit/>
-          </a:bodyPr>
-          <a:lstStyle/>
-          <a:p>
-            <a:r>
-              <a:rPr lang="en-US" dirty="0">
-                <a:latin typeface="Times New Roman" panose="02020603050405020304" pitchFamily="18" charset="0"/>
-                <a:cs typeface="Times New Roman" panose="02020603050405020304" pitchFamily="18" charset="0"/>
-              </a:rPr>
-              <a:t>Top</a:t>
-            </a:r>
-          </a:p>
-        </p:txBody>
-      </p:sp>
-      <p:sp>
-        <p:nvSpPr>
-          <p:cNvPr id="9" name="TextBox 8">
-            <a:extLst>
-              <a:ext uri="{FF2B5EF4-FFF2-40B4-BE49-F238E27FC236}">
-                <a16:creationId xmlns:a16="http://schemas.microsoft.com/office/drawing/2014/main" id="{1C9A38C2-A55C-4206-A7DE-4914257C726F}"/>
-              </a:ext>
-            </a:extLst>
-          </p:cNvPr>
-          <p:cNvSpPr txBox="1"/>
-          <p:nvPr/>
-        </p:nvSpPr>
-        <p:spPr>
-          <a:xfrm>
-            <a:off x="9174563" y="5980152"/>
-            <a:ext cx="1543050" cy="369332"/>
-          </a:xfrm>
-          <a:prstGeom prst="rect">
-            <a:avLst/>
-          </a:prstGeom>
-          <a:noFill/>
-        </p:spPr>
-        <p:txBody>
-          <a:bodyPr wrap="square" rtlCol="0">
-            <a:spAutoFit/>
-          </a:bodyPr>
-          <a:lstStyle/>
-          <a:p>
-            <a:r>
-              <a:rPr lang="en-US" dirty="0">
-                <a:latin typeface="Times New Roman" panose="02020603050405020304" pitchFamily="18" charset="0"/>
-                <a:cs typeface="Times New Roman" panose="02020603050405020304" pitchFamily="18" charset="0"/>
-              </a:rPr>
-              <a:t>Bottom</a:t>
-            </a:r>
-          </a:p>
-        </p:txBody>
-      </p:sp>
-      <p:pic>
-        <p:nvPicPr>
-          <p:cNvPr id="11" name="Picture 10">
-            <a:extLst>
-              <a:ext uri="{FF2B5EF4-FFF2-40B4-BE49-F238E27FC236}">
-                <a16:creationId xmlns:a16="http://schemas.microsoft.com/office/drawing/2014/main" id="{91484460-134D-4EAC-9015-2C64551D0735}"/>
-              </a:ext>
-            </a:extLst>
-          </p:cNvPr>
-          <p:cNvPicPr>
-            <a:picLocks noChangeAspect="1"/>
-          </p:cNvPicPr>
-          <p:nvPr/>
-        </p:nvPicPr>
-        <p:blipFill>
-          <a:blip r:embed="rId2"/>
-          <a:stretch>
-            <a:fillRect/>
-          </a:stretch>
-        </p:blipFill>
-        <p:spPr>
-          <a:xfrm>
-            <a:off x="587573" y="-323850"/>
-            <a:ext cx="4349354" cy="6858000"/>
-          </a:xfrm>
-          <a:prstGeom prst="rect">
-            <a:avLst/>
-          </a:prstGeom>
-        </p:spPr>
-      </p:pic>
-      <p:pic>
-        <p:nvPicPr>
-          <p:cNvPr id="12" name="Picture 11">
-            <a:extLst>
-              <a:ext uri="{FF2B5EF4-FFF2-40B4-BE49-F238E27FC236}">
-                <a16:creationId xmlns:a16="http://schemas.microsoft.com/office/drawing/2014/main" id="{CAFA2044-3B89-4601-86E7-CCA24DF8B558}"/>
-              </a:ext>
-            </a:extLst>
-          </p:cNvPr>
-          <p:cNvPicPr>
-            <a:picLocks noChangeAspect="1"/>
-          </p:cNvPicPr>
-          <p:nvPr/>
-        </p:nvPicPr>
-        <p:blipFill>
-          <a:blip r:embed="rId3"/>
-          <a:stretch>
-            <a:fillRect/>
-          </a:stretch>
-        </p:blipFill>
-        <p:spPr>
-          <a:xfrm>
-            <a:off x="7597973" y="-323850"/>
-            <a:ext cx="4349354" cy="6858000"/>
-          </a:xfrm>
-          <a:prstGeom prst="rect">
-            <a:avLst/>
-          </a:prstGeom>
-        </p:spPr>
-      </p:pic>
-    </p:spTree>
-    <p:extLst>
-      <p:ext uri="{BB962C8B-B14F-4D97-AF65-F5344CB8AC3E}">
-        <p14:creationId xmlns:p14="http://schemas.microsoft.com/office/powerpoint/2010/main" val="1470569495"/>
       </p:ext>
     </p:extLst>
   </p:cSld>
